--- a/Paper_presentation_KSR.pptx
+++ b/Paper_presentation_KSR.pptx
@@ -11,8 +11,8 @@
     <p:sldId id="261" r:id="rId5"/>
     <p:sldId id="262" r:id="rId6"/>
     <p:sldId id="263" r:id="rId7"/>
-    <p:sldId id="264" r:id="rId8"/>
-    <p:sldId id="258" r:id="rId9"/>
+    <p:sldId id="265" r:id="rId8"/>
+    <p:sldId id="264" r:id="rId9"/>
   </p:sldIdLst>
   <p:sldSz cx="12192000" cy="6858000"/>
   <p:notesSz cx="6858000" cy="9144000"/>
@@ -250,7 +250,7 @@
           <a:p>
             <a:fld id="{2D6F6B4E-4A76-43EC-88B6-7B2A56584E79}" type="datetimeFigureOut">
               <a:rPr lang="en-US" smtClean="0"/>
-              <a:t>11/15/2020</a:t>
+              <a:t>11/20/2020</a:t>
             </a:fld>
             <a:endParaRPr lang="en-US"/>
           </a:p>
@@ -420,7 +420,7 @@
           <a:p>
             <a:fld id="{2D6F6B4E-4A76-43EC-88B6-7B2A56584E79}" type="datetimeFigureOut">
               <a:rPr lang="en-US" smtClean="0"/>
-              <a:t>11/15/2020</a:t>
+              <a:t>11/20/2020</a:t>
             </a:fld>
             <a:endParaRPr lang="en-US"/>
           </a:p>
@@ -600,7 +600,7 @@
           <a:p>
             <a:fld id="{2D6F6B4E-4A76-43EC-88B6-7B2A56584E79}" type="datetimeFigureOut">
               <a:rPr lang="en-US" smtClean="0"/>
-              <a:t>11/15/2020</a:t>
+              <a:t>11/20/2020</a:t>
             </a:fld>
             <a:endParaRPr lang="en-US"/>
           </a:p>
@@ -770,7 +770,7 @@
           <a:p>
             <a:fld id="{2D6F6B4E-4A76-43EC-88B6-7B2A56584E79}" type="datetimeFigureOut">
               <a:rPr lang="en-US" smtClean="0"/>
-              <a:t>11/15/2020</a:t>
+              <a:t>11/20/2020</a:t>
             </a:fld>
             <a:endParaRPr lang="en-US"/>
           </a:p>
@@ -1016,7 +1016,7 @@
           <a:p>
             <a:fld id="{2D6F6B4E-4A76-43EC-88B6-7B2A56584E79}" type="datetimeFigureOut">
               <a:rPr lang="en-US" smtClean="0"/>
-              <a:t>11/15/2020</a:t>
+              <a:t>11/20/2020</a:t>
             </a:fld>
             <a:endParaRPr lang="en-US"/>
           </a:p>
@@ -1248,7 +1248,7 @@
           <a:p>
             <a:fld id="{2D6F6B4E-4A76-43EC-88B6-7B2A56584E79}" type="datetimeFigureOut">
               <a:rPr lang="en-US" smtClean="0"/>
-              <a:t>11/15/2020</a:t>
+              <a:t>11/20/2020</a:t>
             </a:fld>
             <a:endParaRPr lang="en-US"/>
           </a:p>
@@ -1615,7 +1615,7 @@
           <a:p>
             <a:fld id="{2D6F6B4E-4A76-43EC-88B6-7B2A56584E79}" type="datetimeFigureOut">
               <a:rPr lang="en-US" smtClean="0"/>
-              <a:t>11/15/2020</a:t>
+              <a:t>11/20/2020</a:t>
             </a:fld>
             <a:endParaRPr lang="en-US"/>
           </a:p>
@@ -1733,7 +1733,7 @@
           <a:p>
             <a:fld id="{2D6F6B4E-4A76-43EC-88B6-7B2A56584E79}" type="datetimeFigureOut">
               <a:rPr lang="en-US" smtClean="0"/>
-              <a:t>11/15/2020</a:t>
+              <a:t>11/20/2020</a:t>
             </a:fld>
             <a:endParaRPr lang="en-US"/>
           </a:p>
@@ -1828,7 +1828,7 @@
           <a:p>
             <a:fld id="{2D6F6B4E-4A76-43EC-88B6-7B2A56584E79}" type="datetimeFigureOut">
               <a:rPr lang="en-US" smtClean="0"/>
-              <a:t>11/15/2020</a:t>
+              <a:t>11/20/2020</a:t>
             </a:fld>
             <a:endParaRPr lang="en-US"/>
           </a:p>
@@ -2105,7 +2105,7 @@
           <a:p>
             <a:fld id="{2D6F6B4E-4A76-43EC-88B6-7B2A56584E79}" type="datetimeFigureOut">
               <a:rPr lang="en-US" smtClean="0"/>
-              <a:t>11/15/2020</a:t>
+              <a:t>11/20/2020</a:t>
             </a:fld>
             <a:endParaRPr lang="en-US"/>
           </a:p>
@@ -2358,7 +2358,7 @@
           <a:p>
             <a:fld id="{2D6F6B4E-4A76-43EC-88B6-7B2A56584E79}" type="datetimeFigureOut">
               <a:rPr lang="en-US" smtClean="0"/>
-              <a:t>11/15/2020</a:t>
+              <a:t>11/20/2020</a:t>
             </a:fld>
             <a:endParaRPr lang="en-US"/>
           </a:p>
@@ -2571,7 +2571,7 @@
           <a:p>
             <a:fld id="{2D6F6B4E-4A76-43EC-88B6-7B2A56584E79}" type="datetimeFigureOut">
               <a:rPr lang="en-US" smtClean="0"/>
-              <a:t>11/15/2020</a:t>
+              <a:t>11/20/2020</a:t>
             </a:fld>
             <a:endParaRPr lang="en-US"/>
           </a:p>
@@ -2978,6 +2978,63 @@
       </p:grpSpPr>
       <p:sp>
         <p:nvSpPr>
+          <p:cNvPr id="6" name="Rectangle 5"/>
+          <p:cNvSpPr/>
+          <p:nvPr/>
+        </p:nvSpPr>
+        <p:spPr>
+          <a:xfrm>
+            <a:off x="-338365" y="-1181100"/>
+            <a:ext cx="12797065" cy="9065986"/>
+          </a:xfrm>
+          <a:prstGeom prst="rect">
+            <a:avLst/>
+          </a:prstGeom>
+          <a:blipFill dpi="0" rotWithShape="1">
+            <a:blip r:embed="rId2">
+              <a:alphaModFix amt="90000"/>
+              <a:extLst>
+                <a:ext uri="{28A0092B-C50C-407E-A947-70E740481C1C}">
+                  <a14:useLocalDpi xmlns:a14="http://schemas.microsoft.com/office/drawing/2010/main" val="0"/>
+                </a:ext>
+              </a:extLst>
+            </a:blip>
+            <a:srcRect/>
+            <a:stretch>
+              <a:fillRect/>
+            </a:stretch>
+          </a:blipFill>
+          <a:ln>
+            <a:noFill/>
+          </a:ln>
+        </p:spPr>
+        <p:style>
+          <a:lnRef idx="2">
+            <a:schemeClr val="accent1">
+              <a:shade val="50000"/>
+            </a:schemeClr>
+          </a:lnRef>
+          <a:fillRef idx="1">
+            <a:schemeClr val="accent1"/>
+          </a:fillRef>
+          <a:effectRef idx="0">
+            <a:schemeClr val="accent1"/>
+          </a:effectRef>
+          <a:fontRef idx="minor">
+            <a:schemeClr val="lt1"/>
+          </a:fontRef>
+        </p:style>
+        <p:txBody>
+          <a:bodyPr rtlCol="0" anchor="ctr"/>
+          <a:lstStyle/>
+          <a:p>
+            <a:pPr algn="ctr"/>
+            <a:endParaRPr lang="en-US"/>
+          </a:p>
+        </p:txBody>
+      </p:sp>
+      <p:sp>
+        <p:nvSpPr>
           <p:cNvPr id="2" name="Title 1"/>
           <p:cNvSpPr>
             <a:spLocks noGrp="1"/>
@@ -2988,7 +3045,7 @@
         </p:nvSpPr>
         <p:spPr>
           <a:xfrm>
-            <a:off x="1524000" y="1804007"/>
+            <a:off x="1637607" y="490596"/>
             <a:ext cx="9144000" cy="2387600"/>
           </a:xfrm>
         </p:spPr>
@@ -2999,18 +3056,18 @@
           <a:lstStyle/>
           <a:p>
             <a:r>
-              <a:rPr lang="en-US" sz="4400" dirty="0" smtClean="0"/>
+              <a:rPr lang="en-US" sz="4400" b="1" dirty="0" smtClean="0"/>
               <a:t>Stable Isotope Final Project: </a:t>
             </a:r>
             <a:r>
-              <a:rPr lang="en-US" sz="4400" i="1" dirty="0"/>
+              <a:rPr lang="en-US" sz="4400" b="1" i="1" dirty="0"/>
               <a:t>Evidence of Isotopic Fractionation During Vapor Exchange Between the Atmosphere and the Snow Surface in </a:t>
             </a:r>
             <a:r>
-              <a:rPr lang="en-US" sz="4400" i="1" dirty="0" smtClean="0"/>
+              <a:rPr lang="en-US" sz="4400" b="1" i="1" dirty="0" smtClean="0"/>
               <a:t>Greenland</a:t>
             </a:r>
-            <a:endParaRPr lang="en-US" sz="4400" i="1" dirty="0"/>
+            <a:endParaRPr lang="en-US" sz="4400" b="1" i="1" dirty="0"/>
           </a:p>
         </p:txBody>
       </p:sp>
@@ -3026,23 +3083,41 @@
         </p:nvSpPr>
         <p:spPr>
           <a:xfrm>
-            <a:off x="1524000" y="4191607"/>
-            <a:ext cx="9144000" cy="1655762"/>
+            <a:off x="7386724" y="4321175"/>
+            <a:ext cx="4680758" cy="1494040"/>
           </a:xfrm>
         </p:spPr>
         <p:txBody>
           <a:bodyPr/>
           <a:lstStyle/>
           <a:p>
+            <a:pPr>
+              <a:lnSpc>
+                <a:spcPct val="100000"/>
+              </a:lnSpc>
+            </a:pPr>
             <a:r>
               <a:rPr lang="en-US" dirty="0" smtClean="0"/>
-              <a:t>Paper by: Madsen et al.,</a:t>
-            </a:r>
-          </a:p>
-          <a:p>
+              <a:t>Paper by: Madsen et al</a:t>
+            </a:r>
             <a:r>
               <a:rPr lang="en-US" dirty="0" smtClean="0"/>
-              <a:t>Poor representation and notebook by: Kevin Rozmiarek</a:t>
+              <a:t>.,</a:t>
+            </a:r>
+          </a:p>
+          <a:p>
+            <a:pPr>
+              <a:lnSpc>
+                <a:spcPct val="100000"/>
+              </a:lnSpc>
+            </a:pPr>
+            <a:r>
+              <a:rPr lang="en-US" dirty="0" smtClean="0"/>
+              <a:t>Poor </a:t>
+            </a:r>
+            <a:r>
+              <a:rPr lang="en-US" dirty="0" smtClean="0"/>
+              <a:t>representation and notebook by: Kevin Rozmiarek</a:t>
             </a:r>
             <a:endParaRPr lang="en-US" dirty="0"/>
           </a:p>
@@ -3058,6 +3133,13 @@
   <p:clrMapOvr>
     <a:masterClrMapping/>
   </p:clrMapOvr>
+  <p:timing>
+    <p:tnLst>
+      <p:par>
+        <p:cTn id="1" dur="indefinite" restart="never" nodeType="tmRoot"/>
+      </p:par>
+    </p:tnLst>
+  </p:timing>
 </p:sld>
 </file>
 
@@ -3355,7 +3437,7 @@
         </p:nvSpPr>
         <p:spPr>
           <a:xfrm>
-            <a:off x="45960" y="108064"/>
+            <a:off x="45959" y="0"/>
             <a:ext cx="3143596" cy="975793"/>
           </a:xfrm>
         </p:spPr>
@@ -3367,11 +3449,7 @@
           <a:p>
             <a:r>
               <a:rPr lang="en-US" sz="3600" dirty="0" smtClean="0"/>
-              <a:t>Some </a:t>
-            </a:r>
-            <a:r>
-              <a:rPr lang="en-US" sz="3200" dirty="0" smtClean="0"/>
-              <a:t>backdrop</a:t>
+              <a:t>Some backdrop</a:t>
             </a:r>
             <a:endParaRPr lang="en-US" sz="3600" dirty="0"/>
           </a:p>
@@ -3389,7 +3467,7 @@
         </p:nvSpPr>
         <p:spPr>
           <a:xfrm>
-            <a:off x="3251324" y="279884"/>
+            <a:off x="3392640" y="162618"/>
             <a:ext cx="3780096" cy="866686"/>
           </a:xfrm>
           <a:ln w="38100">
@@ -3428,9 +3506,333 @@
   <p:timing>
     <p:tnLst>
       <p:par>
-        <p:cTn id="1" dur="indefinite" restart="never" nodeType="tmRoot"/>
+        <p:cTn id="1" dur="indefinite" restart="never" nodeType="tmRoot">
+          <p:childTnLst>
+            <p:seq concurrent="1" nextAc="seek">
+              <p:cTn id="2" dur="indefinite" nodeType="mainSeq">
+                <p:childTnLst>
+                  <p:par>
+                    <p:cTn id="3" fill="hold">
+                      <p:stCondLst>
+                        <p:cond delay="indefinite"/>
+                      </p:stCondLst>
+                      <p:childTnLst>
+                        <p:par>
+                          <p:cTn id="4" fill="hold">
+                            <p:stCondLst>
+                              <p:cond delay="0"/>
+                            </p:stCondLst>
+                            <p:childTnLst>
+                              <p:par>
+                                <p:cTn id="5" presetID="1" presetClass="entr" presetSubtype="0" fill="hold" nodeType="clickEffect">
+                                  <p:stCondLst>
+                                    <p:cond delay="0"/>
+                                  </p:stCondLst>
+                                  <p:childTnLst>
+                                    <p:set>
+                                      <p:cBhvr>
+                                        <p:cTn id="6" dur="1" fill="hold">
+                                          <p:stCondLst>
+                                            <p:cond delay="0"/>
+                                          </p:stCondLst>
+                                        </p:cTn>
+                                        <p:tgtEl>
+                                          <p:spTgt spid="1026"/>
+                                        </p:tgtEl>
+                                        <p:attrNameLst>
+                                          <p:attrName>style.visibility</p:attrName>
+                                        </p:attrNameLst>
+                                      </p:cBhvr>
+                                      <p:to>
+                                        <p:strVal val="visible"/>
+                                      </p:to>
+                                    </p:set>
+                                  </p:childTnLst>
+                                </p:cTn>
+                              </p:par>
+                              <p:par>
+                                <p:cTn id="7" presetID="1" presetClass="entr" presetSubtype="0" fill="hold" grpId="0" nodeType="withEffect">
+                                  <p:stCondLst>
+                                    <p:cond delay="0"/>
+                                  </p:stCondLst>
+                                  <p:childTnLst>
+                                    <p:set>
+                                      <p:cBhvr>
+                                        <p:cTn id="8" dur="1" fill="hold">
+                                          <p:stCondLst>
+                                            <p:cond delay="0"/>
+                                          </p:stCondLst>
+                                        </p:cTn>
+                                        <p:tgtEl>
+                                          <p:spTgt spid="2"/>
+                                        </p:tgtEl>
+                                        <p:attrNameLst>
+                                          <p:attrName>style.visibility</p:attrName>
+                                        </p:attrNameLst>
+                                      </p:cBhvr>
+                                      <p:to>
+                                        <p:strVal val="visible"/>
+                                      </p:to>
+                                    </p:set>
+                                  </p:childTnLst>
+                                </p:cTn>
+                              </p:par>
+                              <p:par>
+                                <p:cTn id="9" presetID="1" presetClass="entr" presetSubtype="0" fill="hold" grpId="0" nodeType="withEffect">
+                                  <p:stCondLst>
+                                    <p:cond delay="0"/>
+                                  </p:stCondLst>
+                                  <p:childTnLst>
+                                    <p:set>
+                                      <p:cBhvr>
+                                        <p:cTn id="10" dur="1" fill="hold">
+                                          <p:stCondLst>
+                                            <p:cond delay="0"/>
+                                          </p:stCondLst>
+                                        </p:cTn>
+                                        <p:tgtEl>
+                                          <p:spTgt spid="9"/>
+                                        </p:tgtEl>
+                                        <p:attrNameLst>
+                                          <p:attrName>style.visibility</p:attrName>
+                                        </p:attrNameLst>
+                                      </p:cBhvr>
+                                      <p:to>
+                                        <p:strVal val="visible"/>
+                                      </p:to>
+                                    </p:set>
+                                  </p:childTnLst>
+                                </p:cTn>
+                              </p:par>
+                            </p:childTnLst>
+                          </p:cTn>
+                        </p:par>
+                      </p:childTnLst>
+                    </p:cTn>
+                  </p:par>
+                  <p:par>
+                    <p:cTn id="11" fill="hold">
+                      <p:stCondLst>
+                        <p:cond delay="indefinite"/>
+                      </p:stCondLst>
+                      <p:childTnLst>
+                        <p:par>
+                          <p:cTn id="12" fill="hold">
+                            <p:stCondLst>
+                              <p:cond delay="0"/>
+                            </p:stCondLst>
+                            <p:childTnLst>
+                              <p:par>
+                                <p:cTn id="13" presetID="1" presetClass="entr" presetSubtype="0" fill="hold" nodeType="clickEffect">
+                                  <p:stCondLst>
+                                    <p:cond delay="0"/>
+                                  </p:stCondLst>
+                                  <p:childTnLst>
+                                    <p:set>
+                                      <p:cBhvr>
+                                        <p:cTn id="14" dur="1" fill="hold">
+                                          <p:stCondLst>
+                                            <p:cond delay="0"/>
+                                          </p:stCondLst>
+                                        </p:cTn>
+                                        <p:tgtEl>
+                                          <p:spTgt spid="6"/>
+                                        </p:tgtEl>
+                                        <p:attrNameLst>
+                                          <p:attrName>style.visibility</p:attrName>
+                                        </p:attrNameLst>
+                                      </p:cBhvr>
+                                      <p:to>
+                                        <p:strVal val="visible"/>
+                                      </p:to>
+                                    </p:set>
+                                  </p:childTnLst>
+                                </p:cTn>
+                              </p:par>
+                              <p:par>
+                                <p:cTn id="15" presetID="1" presetClass="entr" presetSubtype="0" fill="hold" grpId="0" nodeType="withEffect">
+                                  <p:stCondLst>
+                                    <p:cond delay="0"/>
+                                  </p:stCondLst>
+                                  <p:childTnLst>
+                                    <p:set>
+                                      <p:cBhvr>
+                                        <p:cTn id="16" dur="1" fill="hold">
+                                          <p:stCondLst>
+                                            <p:cond delay="0"/>
+                                          </p:stCondLst>
+                                        </p:cTn>
+                                        <p:tgtEl>
+                                          <p:spTgt spid="8"/>
+                                        </p:tgtEl>
+                                        <p:attrNameLst>
+                                          <p:attrName>style.visibility</p:attrName>
+                                        </p:attrNameLst>
+                                      </p:cBhvr>
+                                      <p:to>
+                                        <p:strVal val="visible"/>
+                                      </p:to>
+                                    </p:set>
+                                  </p:childTnLst>
+                                </p:cTn>
+                              </p:par>
+                              <p:par>
+                                <p:cTn id="17" presetID="1" presetClass="entr" presetSubtype="0" fill="hold" grpId="0" nodeType="withEffect">
+                                  <p:stCondLst>
+                                    <p:cond delay="0"/>
+                                  </p:stCondLst>
+                                  <p:childTnLst>
+                                    <p:set>
+                                      <p:cBhvr>
+                                        <p:cTn id="18" dur="1" fill="hold">
+                                          <p:stCondLst>
+                                            <p:cond delay="0"/>
+                                          </p:stCondLst>
+                                        </p:cTn>
+                                        <p:tgtEl>
+                                          <p:spTgt spid="7"/>
+                                        </p:tgtEl>
+                                        <p:attrNameLst>
+                                          <p:attrName>style.visibility</p:attrName>
+                                        </p:attrNameLst>
+                                      </p:cBhvr>
+                                      <p:to>
+                                        <p:strVal val="visible"/>
+                                      </p:to>
+                                    </p:set>
+                                  </p:childTnLst>
+                                </p:cTn>
+                              </p:par>
+                            </p:childTnLst>
+                          </p:cTn>
+                        </p:par>
+                      </p:childTnLst>
+                    </p:cTn>
+                  </p:par>
+                  <p:par>
+                    <p:cTn id="19" fill="hold">
+                      <p:stCondLst>
+                        <p:cond delay="indefinite"/>
+                      </p:stCondLst>
+                      <p:childTnLst>
+                        <p:par>
+                          <p:cTn id="20" fill="hold">
+                            <p:stCondLst>
+                              <p:cond delay="0"/>
+                            </p:stCondLst>
+                            <p:childTnLst>
+                              <p:par>
+                                <p:cTn id="21" presetID="1" presetClass="entr" presetSubtype="0" fill="hold" grpId="0" nodeType="clickEffect">
+                                  <p:stCondLst>
+                                    <p:cond delay="0"/>
+                                  </p:stCondLst>
+                                  <p:childTnLst>
+                                    <p:set>
+                                      <p:cBhvr>
+                                        <p:cTn id="22" dur="1" fill="hold">
+                                          <p:stCondLst>
+                                            <p:cond delay="0"/>
+                                          </p:stCondLst>
+                                        </p:cTn>
+                                        <p:tgtEl>
+                                          <p:spTgt spid="11">
+                                            <p:bg/>
+                                          </p:spTgt>
+                                        </p:tgtEl>
+                                        <p:attrNameLst>
+                                          <p:attrName>style.visibility</p:attrName>
+                                        </p:attrNameLst>
+                                      </p:cBhvr>
+                                      <p:to>
+                                        <p:strVal val="visible"/>
+                                      </p:to>
+                                    </p:set>
+                                  </p:childTnLst>
+                                </p:cTn>
+                              </p:par>
+                            </p:childTnLst>
+                          </p:cTn>
+                        </p:par>
+                      </p:childTnLst>
+                    </p:cTn>
+                  </p:par>
+                  <p:par>
+                    <p:cTn id="23" fill="hold">
+                      <p:stCondLst>
+                        <p:cond delay="indefinite"/>
+                      </p:stCondLst>
+                      <p:childTnLst>
+                        <p:par>
+                          <p:cTn id="24" fill="hold">
+                            <p:stCondLst>
+                              <p:cond delay="0"/>
+                            </p:stCondLst>
+                            <p:childTnLst>
+                              <p:par>
+                                <p:cTn id="25" presetID="1" presetClass="entr" presetSubtype="0" fill="hold" grpId="0" nodeType="clickEffect">
+                                  <p:stCondLst>
+                                    <p:cond delay="0"/>
+                                  </p:stCondLst>
+                                  <p:childTnLst>
+                                    <p:set>
+                                      <p:cBhvr>
+                                        <p:cTn id="26" dur="1" fill="hold">
+                                          <p:stCondLst>
+                                            <p:cond delay="0"/>
+                                          </p:stCondLst>
+                                        </p:cTn>
+                                        <p:tgtEl>
+                                          <p:spTgt spid="11">
+                                            <p:txEl>
+                                              <p:pRg st="0" end="0"/>
+                                            </p:txEl>
+                                          </p:spTgt>
+                                        </p:tgtEl>
+                                        <p:attrNameLst>
+                                          <p:attrName>style.visibility</p:attrName>
+                                        </p:attrNameLst>
+                                      </p:cBhvr>
+                                      <p:to>
+                                        <p:strVal val="visible"/>
+                                      </p:to>
+                                    </p:set>
+                                  </p:childTnLst>
+                                </p:cTn>
+                              </p:par>
+                            </p:childTnLst>
+                          </p:cTn>
+                        </p:par>
+                      </p:childTnLst>
+                    </p:cTn>
+                  </p:par>
+                </p:childTnLst>
+              </p:cTn>
+              <p:prevCondLst>
+                <p:cond evt="onPrev" delay="0">
+                  <p:tgtEl>
+                    <p:sldTgt/>
+                  </p:tgtEl>
+                </p:cond>
+              </p:prevCondLst>
+              <p:nextCondLst>
+                <p:cond evt="onNext" delay="0">
+                  <p:tgtEl>
+                    <p:sldTgt/>
+                  </p:tgtEl>
+                </p:cond>
+              </p:nextCondLst>
+            </p:seq>
+          </p:childTnLst>
+        </p:cTn>
       </p:par>
     </p:tnLst>
+    <p:bldLst>
+      <p:bldP spid="7" grpId="0"/>
+      <p:bldP spid="8" grpId="0"/>
+      <p:bldP spid="9" grpId="0"/>
+      <p:bldP spid="2" grpId="0"/>
+      <p:bldP spid="11" grpId="0" build="p" animBg="1"/>
+    </p:bldLst>
   </p:timing>
 </p:sld>
 </file>
@@ -3494,13 +3896,13 @@
         </p:nvSpPr>
         <p:spPr>
           <a:xfrm>
-            <a:off x="45960" y="108064"/>
-            <a:ext cx="3143596" cy="975793"/>
+            <a:off x="110125" y="0"/>
+            <a:ext cx="3576049" cy="975793"/>
           </a:xfrm>
         </p:spPr>
         <p:txBody>
           <a:bodyPr>
-            <a:normAutofit fontScale="90000"/>
+            <a:noAutofit/>
           </a:bodyPr>
           <a:lstStyle/>
           <a:p>
@@ -3552,6 +3954,13 @@
   <p:clrMapOvr>
     <a:masterClrMapping/>
   </p:clrMapOvr>
+  <p:timing>
+    <p:tnLst>
+      <p:par>
+        <p:cTn id="1" dur="indefinite" restart="never" nodeType="tmRoot"/>
+      </p:par>
+    </p:tnLst>
+  </p:timing>
 </p:sld>
 </file>
 
@@ -3595,7 +4004,7 @@
         </p:blipFill>
         <p:spPr bwMode="auto">
           <a:xfrm>
-            <a:off x="7806862" y="665619"/>
+            <a:off x="7667162" y="1021219"/>
             <a:ext cx="4189168" cy="4509340"/>
           </a:xfrm>
           <a:prstGeom prst="rect">
@@ -3621,7 +4030,7 @@
         </p:nvSpPr>
         <p:spPr>
           <a:xfrm>
-            <a:off x="10688749" y="5174959"/>
+            <a:off x="10549049" y="5530559"/>
             <a:ext cx="1307281" cy="276999"/>
           </a:xfrm>
           <a:prstGeom prst="rect">
@@ -3670,7 +4079,7 @@
         </p:blipFill>
         <p:spPr bwMode="auto">
           <a:xfrm>
-            <a:off x="282791" y="665619"/>
+            <a:off x="295491" y="1021219"/>
             <a:ext cx="6670459" cy="4777152"/>
           </a:xfrm>
           <a:prstGeom prst="rect">
@@ -3688,6 +4097,74 @@
           </a:extLst>
         </p:spPr>
       </p:pic>
+      <p:sp>
+        <p:nvSpPr>
+          <p:cNvPr id="6" name="Title 1"/>
+          <p:cNvSpPr>
+            <a:spLocks noGrp="1"/>
+          </p:cNvSpPr>
+          <p:nvPr>
+            <p:ph type="title"/>
+          </p:nvPr>
+        </p:nvSpPr>
+        <p:spPr>
+          <a:xfrm>
+            <a:off x="104775" y="0"/>
+            <a:ext cx="5116590" cy="975793"/>
+          </a:xfrm>
+        </p:spPr>
+        <p:txBody>
+          <a:bodyPr>
+            <a:normAutofit/>
+          </a:bodyPr>
+          <a:lstStyle/>
+          <a:p>
+            <a:r>
+              <a:rPr lang="en-US" sz="3600" dirty="0" smtClean="0"/>
+              <a:t>Tower system</a:t>
+            </a:r>
+            <a:endParaRPr lang="en-US" sz="3600" dirty="0"/>
+          </a:p>
+        </p:txBody>
+      </p:sp>
+      <p:sp>
+        <p:nvSpPr>
+          <p:cNvPr id="7" name="TextBox 6"/>
+          <p:cNvSpPr txBox="1"/>
+          <p:nvPr/>
+        </p:nvSpPr>
+        <p:spPr>
+          <a:xfrm>
+            <a:off x="295491" y="5798371"/>
+            <a:ext cx="1421351" cy="276999"/>
+          </a:xfrm>
+          <a:prstGeom prst="rect">
+            <a:avLst/>
+          </a:prstGeom>
+          <a:noFill/>
+        </p:spPr>
+        <p:txBody>
+          <a:bodyPr wrap="none" rtlCol="0">
+            <a:spAutoFit/>
+          </a:bodyPr>
+          <a:lstStyle/>
+          <a:p>
+            <a:r>
+              <a:rPr lang="en-US" sz="1200" dirty="0" smtClean="0"/>
+              <a:t>Madsen </a:t>
+            </a:r>
+            <a:r>
+              <a:rPr lang="en-US" sz="1200" dirty="0" smtClean="0"/>
+              <a:t>et al., </a:t>
+            </a:r>
+            <a:r>
+              <a:rPr lang="en-US" sz="1200" dirty="0" smtClean="0"/>
+              <a:t>2019</a:t>
+            </a:r>
+            <a:endParaRPr lang="en-US" sz="1200" dirty="0"/>
+          </a:p>
+        </p:txBody>
+      </p:sp>
     </p:spTree>
     <p:extLst>
       <p:ext uri="{BB962C8B-B14F-4D97-AF65-F5344CB8AC3E}">
@@ -3698,6 +4175,13 @@
   <p:clrMapOvr>
     <a:masterClrMapping/>
   </p:clrMapOvr>
+  <p:timing>
+    <p:tnLst>
+      <p:par>
+        <p:cTn id="1" dur="indefinite" restart="never" nodeType="tmRoot"/>
+      </p:par>
+    </p:tnLst>
+  </p:timing>
 </p:sld>
 </file>
 
@@ -3741,7 +4225,7 @@
         </p:blipFill>
         <p:spPr bwMode="auto">
           <a:xfrm>
-            <a:off x="7663987" y="1008519"/>
+            <a:off x="7663987" y="1058608"/>
             <a:ext cx="4189168" cy="4509340"/>
           </a:xfrm>
           <a:prstGeom prst="rect">
@@ -3845,8 +4329,8 @@
         </p:blipFill>
         <p:spPr>
           <a:xfrm>
-            <a:off x="2024460" y="1409655"/>
-            <a:ext cx="2276910" cy="742991"/>
+            <a:off x="490144" y="1116004"/>
+            <a:ext cx="2476417" cy="808093"/>
           </a:xfrm>
           <a:prstGeom prst="rect">
             <a:avLst/>
@@ -3875,7 +4359,7 @@
         </p:blipFill>
         <p:spPr>
           <a:xfrm>
-            <a:off x="3162915" y="4279281"/>
+            <a:off x="4093101" y="2420933"/>
             <a:ext cx="2140856" cy="1004891"/>
           </a:xfrm>
           <a:prstGeom prst="rect">
@@ -3905,7 +4389,7 @@
         </p:blipFill>
         <p:spPr>
           <a:xfrm>
-            <a:off x="2362276" y="3144990"/>
+            <a:off x="3727738" y="1395207"/>
             <a:ext cx="3562847" cy="762106"/>
           </a:xfrm>
           <a:prstGeom prst="rect">
@@ -3913,6 +4397,558 @@
           </a:prstGeom>
         </p:spPr>
       </p:pic>
+      <p:cxnSp>
+        <p:nvCxnSpPr>
+          <p:cNvPr id="10" name="Straight Arrow Connector 9"/>
+          <p:cNvCxnSpPr/>
+          <p:nvPr/>
+        </p:nvCxnSpPr>
+        <p:spPr>
+          <a:xfrm>
+            <a:off x="7210425" y="1924097"/>
+            <a:ext cx="691687" cy="316031"/>
+          </a:xfrm>
+          <a:prstGeom prst="straightConnector1">
+            <a:avLst/>
+          </a:prstGeom>
+          <a:ln w="38100">
+            <a:tailEnd type="triangle"/>
+          </a:ln>
+        </p:spPr>
+        <p:style>
+          <a:lnRef idx="1">
+            <a:schemeClr val="accent1"/>
+          </a:lnRef>
+          <a:fillRef idx="0">
+            <a:schemeClr val="accent1"/>
+          </a:fillRef>
+          <a:effectRef idx="0">
+            <a:schemeClr val="accent1"/>
+          </a:effectRef>
+          <a:fontRef idx="minor">
+            <a:schemeClr val="tx1"/>
+          </a:fontRef>
+        </p:style>
+      </p:cxnSp>
+      <p:cxnSp>
+        <p:nvCxnSpPr>
+          <p:cNvPr id="38" name="Straight Arrow Connector 37"/>
+          <p:cNvCxnSpPr/>
+          <p:nvPr/>
+        </p:nvCxnSpPr>
+        <p:spPr>
+          <a:xfrm>
+            <a:off x="7210425" y="1609725"/>
+            <a:ext cx="568987" cy="1622417"/>
+          </a:xfrm>
+          <a:prstGeom prst="straightConnector1">
+            <a:avLst/>
+          </a:prstGeom>
+          <a:ln w="38100">
+            <a:tailEnd type="triangle"/>
+          </a:ln>
+        </p:spPr>
+        <p:style>
+          <a:lnRef idx="1">
+            <a:schemeClr val="accent1"/>
+          </a:lnRef>
+          <a:fillRef idx="0">
+            <a:schemeClr val="accent1"/>
+          </a:fillRef>
+          <a:effectRef idx="0">
+            <a:schemeClr val="accent1"/>
+          </a:effectRef>
+          <a:fontRef idx="minor">
+            <a:schemeClr val="tx1"/>
+          </a:fontRef>
+        </p:style>
+      </p:cxnSp>
+      <p:cxnSp>
+        <p:nvCxnSpPr>
+          <p:cNvPr id="40" name="Straight Arrow Connector 39"/>
+          <p:cNvCxnSpPr/>
+          <p:nvPr/>
+        </p:nvCxnSpPr>
+        <p:spPr>
+          <a:xfrm>
+            <a:off x="5509161" y="2082112"/>
+            <a:ext cx="0" cy="389573"/>
+          </a:xfrm>
+          <a:prstGeom prst="straightConnector1">
+            <a:avLst/>
+          </a:prstGeom>
+          <a:ln w="38100">
+            <a:tailEnd type="triangle"/>
+          </a:ln>
+        </p:spPr>
+        <p:style>
+          <a:lnRef idx="1">
+            <a:schemeClr val="accent1"/>
+          </a:lnRef>
+          <a:fillRef idx="0">
+            <a:schemeClr val="accent1"/>
+          </a:fillRef>
+          <a:effectRef idx="0">
+            <a:schemeClr val="accent1"/>
+          </a:effectRef>
+          <a:fontRef idx="minor">
+            <a:schemeClr val="tx1"/>
+          </a:fontRef>
+        </p:style>
+      </p:cxnSp>
+      <p:pic>
+        <p:nvPicPr>
+          <p:cNvPr id="43" name="Picture 42"/>
+          <p:cNvPicPr>
+            <a:picLocks noChangeAspect="1"/>
+          </p:cNvPicPr>
+          <p:nvPr/>
+        </p:nvPicPr>
+        <p:blipFill>
+          <a:blip r:embed="rId6">
+            <a:extLst>
+              <a:ext uri="{28A0092B-C50C-407E-A947-70E740481C1C}">
+                <a14:useLocalDpi xmlns:a14="http://schemas.microsoft.com/office/drawing/2010/main" val="0"/>
+              </a:ext>
+            </a:extLst>
+          </a:blip>
+          <a:stretch>
+            <a:fillRect/>
+          </a:stretch>
+        </p:blipFill>
+        <p:spPr>
+          <a:xfrm>
+            <a:off x="3638125" y="3919047"/>
+            <a:ext cx="3839161" cy="1841590"/>
+          </a:xfrm>
+          <a:prstGeom prst="rect">
+            <a:avLst/>
+          </a:prstGeom>
+        </p:spPr>
+      </p:pic>
+      <p:sp>
+        <p:nvSpPr>
+          <p:cNvPr id="44" name="Left Brace 43"/>
+          <p:cNvSpPr/>
+          <p:nvPr/>
+        </p:nvSpPr>
+        <p:spPr>
+          <a:xfrm rot="16200000">
+            <a:off x="5227756" y="2976135"/>
+            <a:ext cx="74776" cy="488035"/>
+          </a:xfrm>
+          <a:prstGeom prst="leftBrace">
+            <a:avLst/>
+          </a:prstGeom>
+          <a:ln w="38100"/>
+        </p:spPr>
+        <p:style>
+          <a:lnRef idx="1">
+            <a:schemeClr val="accent1"/>
+          </a:lnRef>
+          <a:fillRef idx="0">
+            <a:schemeClr val="accent1"/>
+          </a:fillRef>
+          <a:effectRef idx="0">
+            <a:schemeClr val="accent1"/>
+          </a:effectRef>
+          <a:fontRef idx="minor">
+            <a:schemeClr val="tx1"/>
+          </a:fontRef>
+        </p:style>
+        <p:txBody>
+          <a:bodyPr rtlCol="0" anchor="ctr"/>
+          <a:lstStyle/>
+          <a:p>
+            <a:pPr algn="ctr"/>
+            <a:endParaRPr lang="en-US"/>
+          </a:p>
+        </p:txBody>
+      </p:sp>
+      <p:cxnSp>
+        <p:nvCxnSpPr>
+          <p:cNvPr id="45" name="Straight Arrow Connector 44"/>
+          <p:cNvCxnSpPr>
+            <a:stCxn id="44" idx="1"/>
+          </p:cNvCxnSpPr>
+          <p:nvPr/>
+        </p:nvCxnSpPr>
+        <p:spPr>
+          <a:xfrm flipH="1">
+            <a:off x="5265144" y="3257541"/>
+            <a:ext cx="1" cy="557856"/>
+          </a:xfrm>
+          <a:prstGeom prst="straightConnector1">
+            <a:avLst/>
+          </a:prstGeom>
+          <a:ln w="38100">
+            <a:tailEnd type="triangle"/>
+          </a:ln>
+        </p:spPr>
+        <p:style>
+          <a:lnRef idx="1">
+            <a:schemeClr val="accent1"/>
+          </a:lnRef>
+          <a:fillRef idx="0">
+            <a:schemeClr val="accent1"/>
+          </a:fillRef>
+          <a:effectRef idx="0">
+            <a:schemeClr val="accent1"/>
+          </a:effectRef>
+          <a:fontRef idx="minor">
+            <a:schemeClr val="tx1"/>
+          </a:fontRef>
+        </p:style>
+      </p:cxnSp>
+      <p:sp>
+        <p:nvSpPr>
+          <p:cNvPr id="47" name="TextBox 46"/>
+          <p:cNvSpPr txBox="1"/>
+          <p:nvPr/>
+        </p:nvSpPr>
+        <p:spPr>
+          <a:xfrm>
+            <a:off x="4884144" y="6291210"/>
+            <a:ext cx="762000" cy="369332"/>
+          </a:xfrm>
+          <a:prstGeom prst="rect">
+            <a:avLst/>
+          </a:prstGeom>
+          <a:noFill/>
+        </p:spPr>
+        <p:txBody>
+          <a:bodyPr wrap="square" rtlCol="0">
+            <a:spAutoFit/>
+          </a:bodyPr>
+          <a:lstStyle/>
+          <a:p>
+            <a:r>
+              <a:rPr lang="en-US" b="1" dirty="0" smtClean="0"/>
+              <a:t>Gross</a:t>
+            </a:r>
+            <a:endParaRPr lang="en-US" b="1" dirty="0"/>
+          </a:p>
+        </p:txBody>
+      </p:sp>
+      <p:cxnSp>
+        <p:nvCxnSpPr>
+          <p:cNvPr id="48" name="Straight Arrow Connector 47"/>
+          <p:cNvCxnSpPr/>
+          <p:nvPr/>
+        </p:nvCxnSpPr>
+        <p:spPr>
+          <a:xfrm>
+            <a:off x="5268855" y="5901637"/>
+            <a:ext cx="0" cy="389573"/>
+          </a:xfrm>
+          <a:prstGeom prst="straightConnector1">
+            <a:avLst/>
+          </a:prstGeom>
+          <a:ln w="38100">
+            <a:tailEnd type="triangle"/>
+          </a:ln>
+        </p:spPr>
+        <p:style>
+          <a:lnRef idx="1">
+            <a:schemeClr val="accent1"/>
+          </a:lnRef>
+          <a:fillRef idx="0">
+            <a:schemeClr val="accent1"/>
+          </a:fillRef>
+          <a:effectRef idx="0">
+            <a:schemeClr val="accent1"/>
+          </a:effectRef>
+          <a:fontRef idx="minor">
+            <a:schemeClr val="tx1"/>
+          </a:fontRef>
+        </p:style>
+      </p:cxnSp>
+      <p:pic>
+        <p:nvPicPr>
+          <p:cNvPr id="1026" name="Picture 2" descr="urn:x-wiley:21699380:media:jgrd55294:jgrd55294-math-1000"/>
+          <p:cNvPicPr>
+            <a:picLocks noChangeAspect="1" noChangeArrowheads="1"/>
+          </p:cNvPicPr>
+          <p:nvPr/>
+        </p:nvPicPr>
+        <p:blipFill>
+          <a:blip r:embed="rId7">
+            <a:extLst>
+              <a:ext uri="{28A0092B-C50C-407E-A947-70E740481C1C}">
+                <a14:useLocalDpi xmlns:a14="http://schemas.microsoft.com/office/drawing/2010/main" val="0"/>
+              </a:ext>
+            </a:extLst>
+          </a:blip>
+          <a:srcRect/>
+          <a:stretch>
+            <a:fillRect/>
+          </a:stretch>
+        </p:blipFill>
+        <p:spPr bwMode="auto">
+          <a:xfrm>
+            <a:off x="1323316" y="3919047"/>
+            <a:ext cx="1152525" cy="180975"/>
+          </a:xfrm>
+          <a:prstGeom prst="rect">
+            <a:avLst/>
+          </a:prstGeom>
+          <a:noFill/>
+          <a:extLst>
+            <a:ext uri="{909E8E84-426E-40DD-AFC4-6F175D3DCCD1}">
+              <a14:hiddenFill xmlns:a14="http://schemas.microsoft.com/office/drawing/2010/main">
+                <a:solidFill>
+                  <a:srgbClr val="FFFFFF"/>
+                </a:solidFill>
+              </a14:hiddenFill>
+            </a:ext>
+          </a:extLst>
+        </p:spPr>
+      </p:pic>
+      <p:pic>
+        <p:nvPicPr>
+          <p:cNvPr id="1028" name="Picture 4" descr="urn:x-wiley:21699380:media:jgrd55294:jgrd55294-math-1001"/>
+          <p:cNvPicPr>
+            <a:picLocks noChangeAspect="1" noChangeArrowheads="1"/>
+          </p:cNvPicPr>
+          <p:nvPr/>
+        </p:nvPicPr>
+        <p:blipFill>
+          <a:blip r:embed="rId8">
+            <a:extLst>
+              <a:ext uri="{28A0092B-C50C-407E-A947-70E740481C1C}">
+                <a14:useLocalDpi xmlns:a14="http://schemas.microsoft.com/office/drawing/2010/main" val="0"/>
+              </a:ext>
+            </a:extLst>
+          </a:blip>
+          <a:srcRect/>
+          <a:stretch>
+            <a:fillRect/>
+          </a:stretch>
+        </p:blipFill>
+        <p:spPr bwMode="auto">
+          <a:xfrm>
+            <a:off x="1392724" y="3603580"/>
+            <a:ext cx="1083117" cy="182117"/>
+          </a:xfrm>
+          <a:prstGeom prst="rect">
+            <a:avLst/>
+          </a:prstGeom>
+          <a:noFill/>
+          <a:extLst>
+            <a:ext uri="{909E8E84-426E-40DD-AFC4-6F175D3DCCD1}">
+              <a14:hiddenFill xmlns:a14="http://schemas.microsoft.com/office/drawing/2010/main">
+                <a:solidFill>
+                  <a:srgbClr val="FFFFFF"/>
+                </a:solidFill>
+              </a14:hiddenFill>
+            </a:ext>
+          </a:extLst>
+        </p:spPr>
+      </p:pic>
+      <p:cxnSp>
+        <p:nvCxnSpPr>
+          <p:cNvPr id="51" name="Straight Arrow Connector 50"/>
+          <p:cNvCxnSpPr/>
+          <p:nvPr/>
+        </p:nvCxnSpPr>
+        <p:spPr>
+          <a:xfrm flipH="1">
+            <a:off x="2602493" y="2082112"/>
+            <a:ext cx="2045231" cy="1342320"/>
+          </a:xfrm>
+          <a:prstGeom prst="straightConnector1">
+            <a:avLst/>
+          </a:prstGeom>
+          <a:ln w="38100">
+            <a:tailEnd type="triangle"/>
+          </a:ln>
+        </p:spPr>
+        <p:style>
+          <a:lnRef idx="1">
+            <a:schemeClr val="accent1"/>
+          </a:lnRef>
+          <a:fillRef idx="0">
+            <a:schemeClr val="accent1"/>
+          </a:fillRef>
+          <a:effectRef idx="0">
+            <a:schemeClr val="accent1"/>
+          </a:effectRef>
+          <a:fontRef idx="minor">
+            <a:schemeClr val="tx1"/>
+          </a:fontRef>
+        </p:style>
+      </p:cxnSp>
+      <p:sp>
+        <p:nvSpPr>
+          <p:cNvPr id="55" name="TextBox 54"/>
+          <p:cNvSpPr txBox="1"/>
+          <p:nvPr/>
+        </p:nvSpPr>
+        <p:spPr>
+          <a:xfrm>
+            <a:off x="1323316" y="4623210"/>
+            <a:ext cx="1089780" cy="646331"/>
+          </a:xfrm>
+          <a:prstGeom prst="rect">
+            <a:avLst/>
+          </a:prstGeom>
+          <a:noFill/>
+        </p:spPr>
+        <p:txBody>
+          <a:bodyPr wrap="square" rtlCol="0">
+            <a:spAutoFit/>
+          </a:bodyPr>
+          <a:lstStyle/>
+          <a:p>
+            <a:r>
+              <a:rPr lang="en-US" b="1" dirty="0" smtClean="0"/>
+              <a:t>Much less gross</a:t>
+            </a:r>
+            <a:endParaRPr lang="en-US" b="1" dirty="0"/>
+          </a:p>
+        </p:txBody>
+      </p:sp>
+      <p:cxnSp>
+        <p:nvCxnSpPr>
+          <p:cNvPr id="56" name="Straight Arrow Connector 55"/>
+          <p:cNvCxnSpPr/>
+          <p:nvPr/>
+        </p:nvCxnSpPr>
+        <p:spPr>
+          <a:xfrm>
+            <a:off x="1928821" y="4233637"/>
+            <a:ext cx="0" cy="389573"/>
+          </a:xfrm>
+          <a:prstGeom prst="straightConnector1">
+            <a:avLst/>
+          </a:prstGeom>
+          <a:ln w="38100">
+            <a:tailEnd type="triangle"/>
+          </a:ln>
+        </p:spPr>
+        <p:style>
+          <a:lnRef idx="1">
+            <a:schemeClr val="accent1"/>
+          </a:lnRef>
+          <a:fillRef idx="0">
+            <a:schemeClr val="accent1"/>
+          </a:fillRef>
+          <a:effectRef idx="0">
+            <a:schemeClr val="accent1"/>
+          </a:effectRef>
+          <a:fontRef idx="minor">
+            <a:schemeClr val="tx1"/>
+          </a:fontRef>
+        </p:style>
+      </p:cxnSp>
+      <p:sp>
+        <p:nvSpPr>
+          <p:cNvPr id="53" name="TextBox 52"/>
+          <p:cNvSpPr txBox="1"/>
+          <p:nvPr/>
+        </p:nvSpPr>
+        <p:spPr>
+          <a:xfrm>
+            <a:off x="102371" y="1871124"/>
+            <a:ext cx="3251965" cy="369332"/>
+          </a:xfrm>
+          <a:prstGeom prst="rect">
+            <a:avLst/>
+          </a:prstGeom>
+          <a:noFill/>
+        </p:spPr>
+        <p:txBody>
+          <a:bodyPr wrap="square" rtlCol="0">
+            <a:spAutoFit/>
+          </a:bodyPr>
+          <a:lstStyle/>
+          <a:p>
+            <a:r>
+              <a:rPr lang="en-US" dirty="0" err="1" smtClean="0"/>
+              <a:t>Ol</a:t>
+            </a:r>
+            <a:r>
+              <a:rPr lang="en-US" dirty="0" smtClean="0"/>
+              <a:t>’ fashioned diffusion equation</a:t>
+            </a:r>
+            <a:endParaRPr lang="en-US" dirty="0"/>
+          </a:p>
+        </p:txBody>
+      </p:sp>
+      <p:sp>
+        <p:nvSpPr>
+          <p:cNvPr id="62" name="Left Brace 61"/>
+          <p:cNvSpPr/>
+          <p:nvPr/>
+        </p:nvSpPr>
+        <p:spPr>
+          <a:xfrm rot="16200000" flipH="1">
+            <a:off x="1794714" y="976340"/>
+            <a:ext cx="235244" cy="514572"/>
+          </a:xfrm>
+          <a:prstGeom prst="leftBrace">
+            <a:avLst/>
+          </a:prstGeom>
+          <a:ln w="38100"/>
+        </p:spPr>
+        <p:style>
+          <a:lnRef idx="1">
+            <a:schemeClr val="accent1"/>
+          </a:lnRef>
+          <a:fillRef idx="0">
+            <a:schemeClr val="accent1"/>
+          </a:fillRef>
+          <a:effectRef idx="0">
+            <a:schemeClr val="accent1"/>
+          </a:effectRef>
+          <a:fontRef idx="minor">
+            <a:schemeClr val="tx1"/>
+          </a:fontRef>
+        </p:style>
+        <p:txBody>
+          <a:bodyPr rtlCol="0" anchor="ctr"/>
+          <a:lstStyle/>
+          <a:p>
+            <a:pPr algn="ctr"/>
+            <a:endParaRPr lang="en-US"/>
+          </a:p>
+        </p:txBody>
+      </p:sp>
+      <p:cxnSp>
+        <p:nvCxnSpPr>
+          <p:cNvPr id="63" name="Straight Arrow Connector 62"/>
+          <p:cNvCxnSpPr/>
+          <p:nvPr/>
+        </p:nvCxnSpPr>
+        <p:spPr>
+          <a:xfrm>
+            <a:off x="1899578" y="957989"/>
+            <a:ext cx="2193523" cy="617365"/>
+          </a:xfrm>
+          <a:prstGeom prst="bentConnector3">
+            <a:avLst>
+              <a:gd name="adj1" fmla="val 99937"/>
+            </a:avLst>
+          </a:prstGeom>
+          <a:ln w="38100">
+            <a:tailEnd type="triangle"/>
+          </a:ln>
+        </p:spPr>
+        <p:style>
+          <a:lnRef idx="1">
+            <a:schemeClr val="accent1"/>
+          </a:lnRef>
+          <a:fillRef idx="0">
+            <a:schemeClr val="accent1"/>
+          </a:fillRef>
+          <a:effectRef idx="0">
+            <a:schemeClr val="accent1"/>
+          </a:effectRef>
+          <a:fontRef idx="minor">
+            <a:schemeClr val="tx1"/>
+          </a:fontRef>
+        </p:style>
+      </p:cxnSp>
     </p:spTree>
     <p:extLst>
       <p:ext uri="{BB962C8B-B14F-4D97-AF65-F5344CB8AC3E}">
@@ -3923,6 +4959,645 @@
   <p:clrMapOvr>
     <a:masterClrMapping/>
   </p:clrMapOvr>
+  <p:timing>
+    <p:tnLst>
+      <p:par>
+        <p:cTn id="1" dur="indefinite" restart="never" nodeType="tmRoot">
+          <p:childTnLst>
+            <p:seq concurrent="1" nextAc="seek">
+              <p:cTn id="2" dur="indefinite" nodeType="mainSeq">
+                <p:childTnLst>
+                  <p:par>
+                    <p:cTn id="3" fill="hold">
+                      <p:stCondLst>
+                        <p:cond delay="indefinite"/>
+                      </p:stCondLst>
+                      <p:childTnLst>
+                        <p:par>
+                          <p:cTn id="4" fill="hold">
+                            <p:stCondLst>
+                              <p:cond delay="0"/>
+                            </p:stCondLst>
+                            <p:childTnLst>
+                              <p:par>
+                                <p:cTn id="5" presetID="1" presetClass="entr" presetSubtype="0" fill="hold" grpId="0" nodeType="clickEffect">
+                                  <p:stCondLst>
+                                    <p:cond delay="0"/>
+                                  </p:stCondLst>
+                                  <p:childTnLst>
+                                    <p:set>
+                                      <p:cBhvr>
+                                        <p:cTn id="6" dur="1" fill="hold">
+                                          <p:stCondLst>
+                                            <p:cond delay="0"/>
+                                          </p:stCondLst>
+                                        </p:cTn>
+                                        <p:tgtEl>
+                                          <p:spTgt spid="62"/>
+                                        </p:tgtEl>
+                                        <p:attrNameLst>
+                                          <p:attrName>style.visibility</p:attrName>
+                                        </p:attrNameLst>
+                                      </p:cBhvr>
+                                      <p:to>
+                                        <p:strVal val="visible"/>
+                                      </p:to>
+                                    </p:set>
+                                  </p:childTnLst>
+                                </p:cTn>
+                              </p:par>
+                              <p:par>
+                                <p:cTn id="7" presetID="1" presetClass="entr" presetSubtype="0" fill="hold" nodeType="withEffect">
+                                  <p:stCondLst>
+                                    <p:cond delay="0"/>
+                                  </p:stCondLst>
+                                  <p:childTnLst>
+                                    <p:set>
+                                      <p:cBhvr>
+                                        <p:cTn id="8" dur="1" fill="hold">
+                                          <p:stCondLst>
+                                            <p:cond delay="0"/>
+                                          </p:stCondLst>
+                                        </p:cTn>
+                                        <p:tgtEl>
+                                          <p:spTgt spid="7"/>
+                                        </p:tgtEl>
+                                        <p:attrNameLst>
+                                          <p:attrName>style.visibility</p:attrName>
+                                        </p:attrNameLst>
+                                      </p:cBhvr>
+                                      <p:to>
+                                        <p:strVal val="visible"/>
+                                      </p:to>
+                                    </p:set>
+                                  </p:childTnLst>
+                                </p:cTn>
+                              </p:par>
+                              <p:par>
+                                <p:cTn id="9" presetID="1" presetClass="entr" presetSubtype="0" fill="hold" nodeType="withEffect">
+                                  <p:stCondLst>
+                                    <p:cond delay="0"/>
+                                  </p:stCondLst>
+                                  <p:childTnLst>
+                                    <p:set>
+                                      <p:cBhvr>
+                                        <p:cTn id="10" dur="1" fill="hold">
+                                          <p:stCondLst>
+                                            <p:cond delay="0"/>
+                                          </p:stCondLst>
+                                        </p:cTn>
+                                        <p:tgtEl>
+                                          <p:spTgt spid="63"/>
+                                        </p:tgtEl>
+                                        <p:attrNameLst>
+                                          <p:attrName>style.visibility</p:attrName>
+                                        </p:attrNameLst>
+                                      </p:cBhvr>
+                                      <p:to>
+                                        <p:strVal val="visible"/>
+                                      </p:to>
+                                    </p:set>
+                                  </p:childTnLst>
+                                </p:cTn>
+                              </p:par>
+                            </p:childTnLst>
+                          </p:cTn>
+                        </p:par>
+                      </p:childTnLst>
+                    </p:cTn>
+                  </p:par>
+                  <p:par>
+                    <p:cTn id="11" fill="hold">
+                      <p:stCondLst>
+                        <p:cond delay="indefinite"/>
+                      </p:stCondLst>
+                      <p:childTnLst>
+                        <p:par>
+                          <p:cTn id="12" fill="hold">
+                            <p:stCondLst>
+                              <p:cond delay="0"/>
+                            </p:stCondLst>
+                            <p:childTnLst>
+                              <p:par>
+                                <p:cTn id="13" presetID="1" presetClass="entr" presetSubtype="0" fill="hold" nodeType="clickEffect">
+                                  <p:stCondLst>
+                                    <p:cond delay="0"/>
+                                  </p:stCondLst>
+                                  <p:childTnLst>
+                                    <p:set>
+                                      <p:cBhvr>
+                                        <p:cTn id="14" dur="1" fill="hold">
+                                          <p:stCondLst>
+                                            <p:cond delay="0"/>
+                                          </p:stCondLst>
+                                        </p:cTn>
+                                        <p:tgtEl>
+                                          <p:spTgt spid="38"/>
+                                        </p:tgtEl>
+                                        <p:attrNameLst>
+                                          <p:attrName>style.visibility</p:attrName>
+                                        </p:attrNameLst>
+                                      </p:cBhvr>
+                                      <p:to>
+                                        <p:strVal val="visible"/>
+                                      </p:to>
+                                    </p:set>
+                                  </p:childTnLst>
+                                </p:cTn>
+                              </p:par>
+                            </p:childTnLst>
+                          </p:cTn>
+                        </p:par>
+                      </p:childTnLst>
+                    </p:cTn>
+                  </p:par>
+                  <p:par>
+                    <p:cTn id="15" fill="hold">
+                      <p:stCondLst>
+                        <p:cond delay="indefinite"/>
+                      </p:stCondLst>
+                      <p:childTnLst>
+                        <p:par>
+                          <p:cTn id="16" fill="hold">
+                            <p:stCondLst>
+                              <p:cond delay="0"/>
+                            </p:stCondLst>
+                            <p:childTnLst>
+                              <p:par>
+                                <p:cTn id="17" presetID="1" presetClass="entr" presetSubtype="0" fill="hold" nodeType="clickEffect">
+                                  <p:stCondLst>
+                                    <p:cond delay="0"/>
+                                  </p:stCondLst>
+                                  <p:childTnLst>
+                                    <p:set>
+                                      <p:cBhvr>
+                                        <p:cTn id="18" dur="1" fill="hold">
+                                          <p:stCondLst>
+                                            <p:cond delay="0"/>
+                                          </p:stCondLst>
+                                        </p:cTn>
+                                        <p:tgtEl>
+                                          <p:spTgt spid="10"/>
+                                        </p:tgtEl>
+                                        <p:attrNameLst>
+                                          <p:attrName>style.visibility</p:attrName>
+                                        </p:attrNameLst>
+                                      </p:cBhvr>
+                                      <p:to>
+                                        <p:strVal val="visible"/>
+                                      </p:to>
+                                    </p:set>
+                                  </p:childTnLst>
+                                </p:cTn>
+                              </p:par>
+                            </p:childTnLst>
+                          </p:cTn>
+                        </p:par>
+                      </p:childTnLst>
+                    </p:cTn>
+                  </p:par>
+                  <p:par>
+                    <p:cTn id="19" fill="hold">
+                      <p:stCondLst>
+                        <p:cond delay="indefinite"/>
+                      </p:stCondLst>
+                      <p:childTnLst>
+                        <p:par>
+                          <p:cTn id="20" fill="hold">
+                            <p:stCondLst>
+                              <p:cond delay="0"/>
+                            </p:stCondLst>
+                            <p:childTnLst>
+                              <p:par>
+                                <p:cTn id="21" presetID="1" presetClass="entr" presetSubtype="0" fill="hold" nodeType="clickEffect">
+                                  <p:stCondLst>
+                                    <p:cond delay="0"/>
+                                  </p:stCondLst>
+                                  <p:childTnLst>
+                                    <p:set>
+                                      <p:cBhvr>
+                                        <p:cTn id="22" dur="1" fill="hold">
+                                          <p:stCondLst>
+                                            <p:cond delay="0"/>
+                                          </p:stCondLst>
+                                        </p:cTn>
+                                        <p:tgtEl>
+                                          <p:spTgt spid="51"/>
+                                        </p:tgtEl>
+                                        <p:attrNameLst>
+                                          <p:attrName>style.visibility</p:attrName>
+                                        </p:attrNameLst>
+                                      </p:cBhvr>
+                                      <p:to>
+                                        <p:strVal val="visible"/>
+                                      </p:to>
+                                    </p:set>
+                                  </p:childTnLst>
+                                </p:cTn>
+                              </p:par>
+                              <p:par>
+                                <p:cTn id="23" presetID="1" presetClass="entr" presetSubtype="0" fill="hold" nodeType="withEffect">
+                                  <p:stCondLst>
+                                    <p:cond delay="0"/>
+                                  </p:stCondLst>
+                                  <p:childTnLst>
+                                    <p:set>
+                                      <p:cBhvr>
+                                        <p:cTn id="24" dur="1" fill="hold">
+                                          <p:stCondLst>
+                                            <p:cond delay="0"/>
+                                          </p:stCondLst>
+                                        </p:cTn>
+                                        <p:tgtEl>
+                                          <p:spTgt spid="1028"/>
+                                        </p:tgtEl>
+                                        <p:attrNameLst>
+                                          <p:attrName>style.visibility</p:attrName>
+                                        </p:attrNameLst>
+                                      </p:cBhvr>
+                                      <p:to>
+                                        <p:strVal val="visible"/>
+                                      </p:to>
+                                    </p:set>
+                                  </p:childTnLst>
+                                </p:cTn>
+                              </p:par>
+                              <p:par>
+                                <p:cTn id="25" presetID="1" presetClass="entr" presetSubtype="0" fill="hold" nodeType="withEffect">
+                                  <p:stCondLst>
+                                    <p:cond delay="0"/>
+                                  </p:stCondLst>
+                                  <p:childTnLst>
+                                    <p:set>
+                                      <p:cBhvr>
+                                        <p:cTn id="26" dur="1" fill="hold">
+                                          <p:stCondLst>
+                                            <p:cond delay="0"/>
+                                          </p:stCondLst>
+                                        </p:cTn>
+                                        <p:tgtEl>
+                                          <p:spTgt spid="1026"/>
+                                        </p:tgtEl>
+                                        <p:attrNameLst>
+                                          <p:attrName>style.visibility</p:attrName>
+                                        </p:attrNameLst>
+                                      </p:cBhvr>
+                                      <p:to>
+                                        <p:strVal val="visible"/>
+                                      </p:to>
+                                    </p:set>
+                                  </p:childTnLst>
+                                </p:cTn>
+                              </p:par>
+                            </p:childTnLst>
+                          </p:cTn>
+                        </p:par>
+                      </p:childTnLst>
+                    </p:cTn>
+                  </p:par>
+                  <p:par>
+                    <p:cTn id="27" fill="hold">
+                      <p:stCondLst>
+                        <p:cond delay="indefinite"/>
+                      </p:stCondLst>
+                      <p:childTnLst>
+                        <p:par>
+                          <p:cTn id="28" fill="hold">
+                            <p:stCondLst>
+                              <p:cond delay="0"/>
+                            </p:stCondLst>
+                            <p:childTnLst>
+                              <p:par>
+                                <p:cTn id="29" presetID="1" presetClass="entr" presetSubtype="0" fill="hold" nodeType="clickEffect">
+                                  <p:stCondLst>
+                                    <p:cond delay="0"/>
+                                  </p:stCondLst>
+                                  <p:childTnLst>
+                                    <p:set>
+                                      <p:cBhvr>
+                                        <p:cTn id="30" dur="1" fill="hold">
+                                          <p:stCondLst>
+                                            <p:cond delay="0"/>
+                                          </p:stCondLst>
+                                        </p:cTn>
+                                        <p:tgtEl>
+                                          <p:spTgt spid="40"/>
+                                        </p:tgtEl>
+                                        <p:attrNameLst>
+                                          <p:attrName>style.visibility</p:attrName>
+                                        </p:attrNameLst>
+                                      </p:cBhvr>
+                                      <p:to>
+                                        <p:strVal val="visible"/>
+                                      </p:to>
+                                    </p:set>
+                                  </p:childTnLst>
+                                </p:cTn>
+                              </p:par>
+                              <p:par>
+                                <p:cTn id="31" presetID="1" presetClass="entr" presetSubtype="0" fill="hold" nodeType="withEffect">
+                                  <p:stCondLst>
+                                    <p:cond delay="0"/>
+                                  </p:stCondLst>
+                                  <p:childTnLst>
+                                    <p:set>
+                                      <p:cBhvr>
+                                        <p:cTn id="32" dur="1" fill="hold">
+                                          <p:stCondLst>
+                                            <p:cond delay="0"/>
+                                          </p:stCondLst>
+                                        </p:cTn>
+                                        <p:tgtEl>
+                                          <p:spTgt spid="3"/>
+                                        </p:tgtEl>
+                                        <p:attrNameLst>
+                                          <p:attrName>style.visibility</p:attrName>
+                                        </p:attrNameLst>
+                                      </p:cBhvr>
+                                      <p:to>
+                                        <p:strVal val="visible"/>
+                                      </p:to>
+                                    </p:set>
+                                  </p:childTnLst>
+                                </p:cTn>
+                              </p:par>
+                            </p:childTnLst>
+                          </p:cTn>
+                        </p:par>
+                      </p:childTnLst>
+                    </p:cTn>
+                  </p:par>
+                  <p:par>
+                    <p:cTn id="33" fill="hold">
+                      <p:stCondLst>
+                        <p:cond delay="indefinite"/>
+                      </p:stCondLst>
+                      <p:childTnLst>
+                        <p:par>
+                          <p:cTn id="34" fill="hold">
+                            <p:stCondLst>
+                              <p:cond delay="0"/>
+                            </p:stCondLst>
+                            <p:childTnLst>
+                              <p:par>
+                                <p:cTn id="35" presetID="1" presetClass="entr" presetSubtype="0" fill="hold" grpId="0" nodeType="clickEffect">
+                                  <p:stCondLst>
+                                    <p:cond delay="0"/>
+                                  </p:stCondLst>
+                                  <p:childTnLst>
+                                    <p:set>
+                                      <p:cBhvr>
+                                        <p:cTn id="36" dur="1" fill="hold">
+                                          <p:stCondLst>
+                                            <p:cond delay="0"/>
+                                          </p:stCondLst>
+                                        </p:cTn>
+                                        <p:tgtEl>
+                                          <p:spTgt spid="44"/>
+                                        </p:tgtEl>
+                                        <p:attrNameLst>
+                                          <p:attrName>style.visibility</p:attrName>
+                                        </p:attrNameLst>
+                                      </p:cBhvr>
+                                      <p:to>
+                                        <p:strVal val="visible"/>
+                                      </p:to>
+                                    </p:set>
+                                  </p:childTnLst>
+                                </p:cTn>
+                              </p:par>
+                              <p:par>
+                                <p:cTn id="37" presetID="1" presetClass="entr" presetSubtype="0" fill="hold" nodeType="withEffect">
+                                  <p:stCondLst>
+                                    <p:cond delay="0"/>
+                                  </p:stCondLst>
+                                  <p:childTnLst>
+                                    <p:set>
+                                      <p:cBhvr>
+                                        <p:cTn id="38" dur="1" fill="hold">
+                                          <p:stCondLst>
+                                            <p:cond delay="0"/>
+                                          </p:stCondLst>
+                                        </p:cTn>
+                                        <p:tgtEl>
+                                          <p:spTgt spid="45"/>
+                                        </p:tgtEl>
+                                        <p:attrNameLst>
+                                          <p:attrName>style.visibility</p:attrName>
+                                        </p:attrNameLst>
+                                      </p:cBhvr>
+                                      <p:to>
+                                        <p:strVal val="visible"/>
+                                      </p:to>
+                                    </p:set>
+                                  </p:childTnLst>
+                                </p:cTn>
+                              </p:par>
+                              <p:par>
+                                <p:cTn id="39" presetID="1" presetClass="entr" presetSubtype="0" fill="hold" nodeType="withEffect">
+                                  <p:stCondLst>
+                                    <p:cond delay="0"/>
+                                  </p:stCondLst>
+                                  <p:childTnLst>
+                                    <p:set>
+                                      <p:cBhvr>
+                                        <p:cTn id="40" dur="1" fill="hold">
+                                          <p:stCondLst>
+                                            <p:cond delay="0"/>
+                                          </p:stCondLst>
+                                        </p:cTn>
+                                        <p:tgtEl>
+                                          <p:spTgt spid="43"/>
+                                        </p:tgtEl>
+                                        <p:attrNameLst>
+                                          <p:attrName>style.visibility</p:attrName>
+                                        </p:attrNameLst>
+                                      </p:cBhvr>
+                                      <p:to>
+                                        <p:strVal val="visible"/>
+                                      </p:to>
+                                    </p:set>
+                                  </p:childTnLst>
+                                </p:cTn>
+                              </p:par>
+                            </p:childTnLst>
+                          </p:cTn>
+                        </p:par>
+                      </p:childTnLst>
+                    </p:cTn>
+                  </p:par>
+                  <p:par>
+                    <p:cTn id="41" fill="hold">
+                      <p:stCondLst>
+                        <p:cond delay="indefinite"/>
+                      </p:stCondLst>
+                      <p:childTnLst>
+                        <p:par>
+                          <p:cTn id="42" fill="hold">
+                            <p:stCondLst>
+                              <p:cond delay="0"/>
+                            </p:stCondLst>
+                            <p:childTnLst>
+                              <p:par>
+                                <p:cTn id="43" presetID="1" presetClass="entr" presetSubtype="0" fill="hold" nodeType="clickEffect">
+                                  <p:stCondLst>
+                                    <p:cond delay="0"/>
+                                  </p:stCondLst>
+                                  <p:childTnLst>
+                                    <p:set>
+                                      <p:cBhvr>
+                                        <p:cTn id="44" dur="1" fill="hold">
+                                          <p:stCondLst>
+                                            <p:cond delay="0"/>
+                                          </p:stCondLst>
+                                        </p:cTn>
+                                        <p:tgtEl>
+                                          <p:spTgt spid="48"/>
+                                        </p:tgtEl>
+                                        <p:attrNameLst>
+                                          <p:attrName>style.visibility</p:attrName>
+                                        </p:attrNameLst>
+                                      </p:cBhvr>
+                                      <p:to>
+                                        <p:strVal val="visible"/>
+                                      </p:to>
+                                    </p:set>
+                                  </p:childTnLst>
+                                </p:cTn>
+                              </p:par>
+                              <p:par>
+                                <p:cTn id="45" presetID="1" presetClass="entr" presetSubtype="0" fill="hold" grpId="0" nodeType="withEffect">
+                                  <p:stCondLst>
+                                    <p:cond delay="0"/>
+                                  </p:stCondLst>
+                                  <p:childTnLst>
+                                    <p:set>
+                                      <p:cBhvr>
+                                        <p:cTn id="46" dur="1" fill="hold">
+                                          <p:stCondLst>
+                                            <p:cond delay="0"/>
+                                          </p:stCondLst>
+                                        </p:cTn>
+                                        <p:tgtEl>
+                                          <p:spTgt spid="47"/>
+                                        </p:tgtEl>
+                                        <p:attrNameLst>
+                                          <p:attrName>style.visibility</p:attrName>
+                                        </p:attrNameLst>
+                                      </p:cBhvr>
+                                      <p:to>
+                                        <p:strVal val="visible"/>
+                                      </p:to>
+                                    </p:set>
+                                  </p:childTnLst>
+                                </p:cTn>
+                              </p:par>
+                            </p:childTnLst>
+                          </p:cTn>
+                        </p:par>
+                      </p:childTnLst>
+                    </p:cTn>
+                  </p:par>
+                  <p:par>
+                    <p:cTn id="47" fill="hold">
+                      <p:stCondLst>
+                        <p:cond delay="indefinite"/>
+                      </p:stCondLst>
+                      <p:childTnLst>
+                        <p:par>
+                          <p:cTn id="48" fill="hold">
+                            <p:stCondLst>
+                              <p:cond delay="0"/>
+                            </p:stCondLst>
+                            <p:childTnLst>
+                              <p:par>
+                                <p:cTn id="49" presetID="1" presetClass="entr" presetSubtype="0" fill="hold" nodeType="clickEffect">
+                                  <p:stCondLst>
+                                    <p:cond delay="0"/>
+                                  </p:stCondLst>
+                                  <p:childTnLst>
+                                    <p:set>
+                                      <p:cBhvr>
+                                        <p:cTn id="50" dur="1" fill="hold">
+                                          <p:stCondLst>
+                                            <p:cond delay="0"/>
+                                          </p:stCondLst>
+                                        </p:cTn>
+                                        <p:tgtEl>
+                                          <p:spTgt spid="56"/>
+                                        </p:tgtEl>
+                                        <p:attrNameLst>
+                                          <p:attrName>style.visibility</p:attrName>
+                                        </p:attrNameLst>
+                                      </p:cBhvr>
+                                      <p:to>
+                                        <p:strVal val="visible"/>
+                                      </p:to>
+                                    </p:set>
+                                  </p:childTnLst>
+                                </p:cTn>
+                              </p:par>
+                              <p:par>
+                                <p:cTn id="51" presetID="1" presetClass="entr" presetSubtype="0" fill="hold" grpId="0" nodeType="withEffect">
+                                  <p:stCondLst>
+                                    <p:cond delay="0"/>
+                                  </p:stCondLst>
+                                  <p:childTnLst>
+                                    <p:set>
+                                      <p:cBhvr>
+                                        <p:cTn id="52" dur="1" fill="hold">
+                                          <p:stCondLst>
+                                            <p:cond delay="0"/>
+                                          </p:stCondLst>
+                                        </p:cTn>
+                                        <p:tgtEl>
+                                          <p:spTgt spid="55"/>
+                                        </p:tgtEl>
+                                        <p:attrNameLst>
+                                          <p:attrName>style.visibility</p:attrName>
+                                        </p:attrNameLst>
+                                      </p:cBhvr>
+                                      <p:to>
+                                        <p:strVal val="visible"/>
+                                      </p:to>
+                                    </p:set>
+                                  </p:childTnLst>
+                                </p:cTn>
+                              </p:par>
+                            </p:childTnLst>
+                          </p:cTn>
+                        </p:par>
+                      </p:childTnLst>
+                    </p:cTn>
+                  </p:par>
+                </p:childTnLst>
+              </p:cTn>
+              <p:prevCondLst>
+                <p:cond evt="onPrev" delay="0">
+                  <p:tgtEl>
+                    <p:sldTgt/>
+                  </p:tgtEl>
+                </p:cond>
+              </p:prevCondLst>
+              <p:nextCondLst>
+                <p:cond evt="onNext" delay="0">
+                  <p:tgtEl>
+                    <p:sldTgt/>
+                  </p:tgtEl>
+                </p:cond>
+              </p:nextCondLst>
+            </p:seq>
+          </p:childTnLst>
+        </p:cTn>
+      </p:par>
+    </p:tnLst>
+    <p:bldLst>
+      <p:bldP spid="44" grpId="0" animBg="1"/>
+      <p:bldP spid="47" grpId="0"/>
+      <p:bldP spid="55" grpId="0"/>
+      <p:bldP spid="62" grpId="0" animBg="1"/>
+    </p:bldLst>
+  </p:timing>
 </p:sld>
 </file>
 
@@ -3992,7 +5667,7 @@
         </p:nvSpPr>
         <p:spPr>
           <a:xfrm>
-            <a:off x="5457825" y="390525"/>
+            <a:off x="5572125" y="438150"/>
             <a:ext cx="3638550" cy="6315075"/>
           </a:xfrm>
           <a:prstGeom prst="rect">
@@ -4026,7 +5701,11 @@
           <a:lstStyle/>
           <a:p>
             <a:pPr algn="ctr"/>
-            <a:endParaRPr lang="en-US"/>
+            <a:r>
+              <a:rPr lang="en-US" dirty="0" smtClean="0"/>
+              <a:t>Snow</a:t>
+            </a:r>
+            <a:endParaRPr lang="en-US" dirty="0"/>
           </a:p>
         </p:txBody>
       </p:sp>
@@ -4042,13 +5721,13 @@
         </p:nvSpPr>
         <p:spPr>
           <a:xfrm>
-            <a:off x="8913735" y="53897"/>
-            <a:ext cx="3143596" cy="975793"/>
+            <a:off x="7262211" y="-131082"/>
+            <a:ext cx="5783753" cy="975793"/>
           </a:xfrm>
         </p:spPr>
         <p:txBody>
           <a:bodyPr>
-            <a:normAutofit fontScale="90000"/>
+            <a:normAutofit/>
           </a:bodyPr>
           <a:lstStyle/>
           <a:p>
@@ -4082,7 +5761,7 @@
         </p:blipFill>
         <p:spPr>
           <a:xfrm>
-            <a:off x="6014861" y="5684933"/>
+            <a:off x="5305425" y="5472021"/>
             <a:ext cx="2524477" cy="628738"/>
           </a:xfrm>
           <a:prstGeom prst="rect">
@@ -4090,6 +5769,248 @@
           </a:prstGeom>
         </p:spPr>
       </p:pic>
+      <p:cxnSp>
+        <p:nvCxnSpPr>
+          <p:cNvPr id="8" name="Straight Arrow Connector 7"/>
+          <p:cNvCxnSpPr/>
+          <p:nvPr/>
+        </p:nvCxnSpPr>
+        <p:spPr>
+          <a:xfrm flipH="1">
+            <a:off x="5448301" y="6100759"/>
+            <a:ext cx="2648301" cy="1"/>
+          </a:xfrm>
+          <a:prstGeom prst="straightConnector1">
+            <a:avLst/>
+          </a:prstGeom>
+          <a:ln w="38100">
+            <a:tailEnd type="triangle"/>
+          </a:ln>
+        </p:spPr>
+        <p:style>
+          <a:lnRef idx="1">
+            <a:schemeClr val="accent1"/>
+          </a:lnRef>
+          <a:fillRef idx="0">
+            <a:schemeClr val="accent1"/>
+          </a:fillRef>
+          <a:effectRef idx="0">
+            <a:schemeClr val="accent1"/>
+          </a:effectRef>
+          <a:fontRef idx="minor">
+            <a:schemeClr val="tx1"/>
+          </a:fontRef>
+        </p:style>
+      </p:cxnSp>
+      <p:sp>
+        <p:nvSpPr>
+          <p:cNvPr id="11" name="TextBox 10"/>
+          <p:cNvSpPr txBox="1"/>
+          <p:nvPr/>
+        </p:nvSpPr>
+        <p:spPr>
+          <a:xfrm>
+            <a:off x="8178028" y="5916093"/>
+            <a:ext cx="1531894" cy="369332"/>
+          </a:xfrm>
+          <a:prstGeom prst="rect">
+            <a:avLst/>
+          </a:prstGeom>
+          <a:noFill/>
+        </p:spPr>
+        <p:txBody>
+          <a:bodyPr wrap="none" rtlCol="0">
+            <a:spAutoFit/>
+          </a:bodyPr>
+          <a:lstStyle/>
+          <a:p>
+            <a:r>
+              <a:rPr lang="en-US" dirty="0" smtClean="0"/>
+              <a:t>Snow Samples</a:t>
+            </a:r>
+            <a:endParaRPr lang="en-US" dirty="0"/>
+          </a:p>
+        </p:txBody>
+      </p:sp>
+      <p:pic>
+        <p:nvPicPr>
+          <p:cNvPr id="12" name="Picture 11"/>
+          <p:cNvPicPr>
+            <a:picLocks noChangeAspect="1"/>
+          </p:cNvPicPr>
+          <p:nvPr/>
+        </p:nvPicPr>
+        <p:blipFill>
+          <a:blip r:embed="rId4">
+            <a:extLst>
+              <a:ext uri="{28A0092B-C50C-407E-A947-70E740481C1C}">
+                <a14:useLocalDpi xmlns:a14="http://schemas.microsoft.com/office/drawing/2010/main" val="0"/>
+              </a:ext>
+            </a:extLst>
+          </a:blip>
+          <a:stretch>
+            <a:fillRect/>
+          </a:stretch>
+        </p:blipFill>
+        <p:spPr>
+          <a:xfrm>
+            <a:off x="6619874" y="714341"/>
+            <a:ext cx="5278588" cy="4671364"/>
+          </a:xfrm>
+          <a:prstGeom prst="rect">
+            <a:avLst/>
+          </a:prstGeom>
+        </p:spPr>
+      </p:pic>
+      <p:cxnSp>
+        <p:nvCxnSpPr>
+          <p:cNvPr id="13" name="Straight Arrow Connector 12"/>
+          <p:cNvCxnSpPr/>
+          <p:nvPr/>
+        </p:nvCxnSpPr>
+        <p:spPr>
+          <a:xfrm flipV="1">
+            <a:off x="5305425" y="4578923"/>
+            <a:ext cx="1190625" cy="722175"/>
+          </a:xfrm>
+          <a:prstGeom prst="straightConnector1">
+            <a:avLst/>
+          </a:prstGeom>
+          <a:ln w="38100">
+            <a:tailEnd type="triangle"/>
+          </a:ln>
+        </p:spPr>
+        <p:style>
+          <a:lnRef idx="1">
+            <a:schemeClr val="accent1"/>
+          </a:lnRef>
+          <a:fillRef idx="0">
+            <a:schemeClr val="accent1"/>
+          </a:fillRef>
+          <a:effectRef idx="0">
+            <a:schemeClr val="accent1"/>
+          </a:effectRef>
+          <a:fontRef idx="minor">
+            <a:schemeClr val="tx1"/>
+          </a:fontRef>
+        </p:style>
+      </p:cxnSp>
+      <p:sp>
+        <p:nvSpPr>
+          <p:cNvPr id="17" name="Rectangle 16"/>
+          <p:cNvSpPr/>
+          <p:nvPr/>
+        </p:nvSpPr>
+        <p:spPr>
+          <a:xfrm>
+            <a:off x="11325225" y="1440298"/>
+            <a:ext cx="781050" cy="3219450"/>
+          </a:xfrm>
+          <a:prstGeom prst="rect">
+            <a:avLst/>
+          </a:prstGeom>
+          <a:solidFill>
+            <a:schemeClr val="bg1"/>
+          </a:solidFill>
+          <a:ln>
+            <a:solidFill>
+              <a:schemeClr val="bg1"/>
+            </a:solidFill>
+          </a:ln>
+        </p:spPr>
+        <p:style>
+          <a:lnRef idx="2">
+            <a:schemeClr val="accent1">
+              <a:shade val="50000"/>
+            </a:schemeClr>
+          </a:lnRef>
+          <a:fillRef idx="1">
+            <a:schemeClr val="accent1"/>
+          </a:fillRef>
+          <a:effectRef idx="0">
+            <a:schemeClr val="accent1"/>
+          </a:effectRef>
+          <a:fontRef idx="minor">
+            <a:schemeClr val="lt1"/>
+          </a:fontRef>
+        </p:style>
+        <p:txBody>
+          <a:bodyPr rtlCol="0" anchor="ctr"/>
+          <a:lstStyle/>
+          <a:p>
+            <a:pPr algn="ctr"/>
+            <a:endParaRPr lang="en-US"/>
+          </a:p>
+        </p:txBody>
+      </p:sp>
+      <p:sp>
+        <p:nvSpPr>
+          <p:cNvPr id="18" name="TextBox 17"/>
+          <p:cNvSpPr txBox="1"/>
+          <p:nvPr/>
+        </p:nvSpPr>
+        <p:spPr>
+          <a:xfrm>
+            <a:off x="476250" y="6380228"/>
+            <a:ext cx="1421351" cy="276999"/>
+          </a:xfrm>
+          <a:prstGeom prst="rect">
+            <a:avLst/>
+          </a:prstGeom>
+          <a:noFill/>
+        </p:spPr>
+        <p:txBody>
+          <a:bodyPr wrap="none" rtlCol="0">
+            <a:spAutoFit/>
+          </a:bodyPr>
+          <a:lstStyle/>
+          <a:p>
+            <a:r>
+              <a:rPr lang="en-US" sz="1200" dirty="0" smtClean="0"/>
+              <a:t>Madsen </a:t>
+            </a:r>
+            <a:r>
+              <a:rPr lang="en-US" sz="1200" dirty="0" smtClean="0"/>
+              <a:t>et al., </a:t>
+            </a:r>
+            <a:r>
+              <a:rPr lang="en-US" sz="1200" dirty="0" smtClean="0"/>
+              <a:t>2019</a:t>
+            </a:r>
+            <a:endParaRPr lang="en-US" sz="1200" dirty="0"/>
+          </a:p>
+        </p:txBody>
+      </p:sp>
+      <p:sp>
+        <p:nvSpPr>
+          <p:cNvPr id="19" name="TextBox 18"/>
+          <p:cNvSpPr txBox="1"/>
+          <p:nvPr/>
+        </p:nvSpPr>
+        <p:spPr>
+          <a:xfrm>
+            <a:off x="9707477" y="5323789"/>
+            <a:ext cx="1694182" cy="276999"/>
+          </a:xfrm>
+          <a:prstGeom prst="rect">
+            <a:avLst/>
+          </a:prstGeom>
+          <a:noFill/>
+        </p:spPr>
+        <p:txBody>
+          <a:bodyPr wrap="none" rtlCol="0">
+            <a:spAutoFit/>
+          </a:bodyPr>
+          <a:lstStyle/>
+          <a:p>
+            <a:r>
+              <a:rPr lang="en-US" sz="1200" dirty="0" smtClean="0"/>
+              <a:t>Rozmiarek et al., in prep</a:t>
+            </a:r>
+            <a:endParaRPr lang="en-US" sz="1200" dirty="0"/>
+          </a:p>
+        </p:txBody>
+      </p:sp>
     </p:spTree>
     <p:extLst>
       <p:ext uri="{BB962C8B-B14F-4D97-AF65-F5344CB8AC3E}">
@@ -4100,6 +6021,13 @@
   <p:clrMapOvr>
     <a:masterClrMapping/>
   </p:clrMapOvr>
+  <p:timing>
+    <p:tnLst>
+      <p:par>
+        <p:cTn id="1" dur="indefinite" restart="never" nodeType="tmRoot"/>
+      </p:par>
+    </p:tnLst>
+  </p:timing>
 </p:sld>
 </file>
 
@@ -4120,6 +6048,47 @@
           <a:chExt cx="0" cy="0"/>
         </a:xfrm>
       </p:grpSpPr>
+      <p:pic>
+        <p:nvPicPr>
+          <p:cNvPr id="2050" name="Picture 2" descr="image"/>
+          <p:cNvPicPr>
+            <a:picLocks noChangeAspect="1" noChangeArrowheads="1"/>
+          </p:cNvPicPr>
+          <p:nvPr/>
+        </p:nvPicPr>
+        <p:blipFill>
+          <a:blip r:embed="rId2" cstate="print">
+            <a:extLst>
+              <a:ext uri="{28A0092B-C50C-407E-A947-70E740481C1C}">
+                <a14:useLocalDpi xmlns:a14="http://schemas.microsoft.com/office/drawing/2010/main" val="0"/>
+              </a:ext>
+            </a:extLst>
+          </a:blip>
+          <a:srcRect/>
+          <a:stretch>
+            <a:fillRect/>
+          </a:stretch>
+        </p:blipFill>
+        <p:spPr bwMode="auto">
+          <a:xfrm>
+            <a:off x="3705225" y="325971"/>
+            <a:ext cx="8315326" cy="3837242"/>
+          </a:xfrm>
+          <a:prstGeom prst="rect">
+            <a:avLst/>
+          </a:prstGeom>
+          <a:noFill/>
+          <a:extLst>
+            <a:ext uri="{909E8E84-426E-40DD-AFC4-6F175D3DCCD1}">
+              <a14:hiddenFill xmlns:a14="http://schemas.microsoft.com/office/drawing/2010/main">
+                <a:solidFill>
+                  <a:srgbClr val="FFFFFF"/>
+                </a:solidFill>
+              </a14:hiddenFill>
+            </a:ext>
+          </a:extLst>
+        </p:spPr>
+      </p:pic>
       <p:sp>
         <p:nvSpPr>
           <p:cNvPr id="4" name="Title 1"/>
@@ -4132,34 +6101,283 @@
         </p:nvSpPr>
         <p:spPr>
           <a:xfrm>
-            <a:off x="95250" y="95250"/>
+            <a:off x="104775" y="0"/>
             <a:ext cx="5116590" cy="975793"/>
           </a:xfrm>
         </p:spPr>
         <p:txBody>
           <a:bodyPr>
-            <a:normAutofit fontScale="90000"/>
+            <a:normAutofit/>
           </a:bodyPr>
           <a:lstStyle/>
           <a:p>
             <a:r>
               <a:rPr lang="en-US" sz="3600" dirty="0" smtClean="0"/>
-              <a:t>What to look forward to after the break.</a:t>
+              <a:t>What did they see?</a:t>
             </a:r>
             <a:endParaRPr lang="en-US" sz="3600" dirty="0"/>
+          </a:p>
+        </p:txBody>
+      </p:sp>
+      <p:sp>
+        <p:nvSpPr>
+          <p:cNvPr id="5" name="TextBox 4"/>
+          <p:cNvSpPr txBox="1"/>
+          <p:nvPr/>
+        </p:nvSpPr>
+        <p:spPr>
+          <a:xfrm>
+            <a:off x="209550" y="1130367"/>
+            <a:ext cx="3171825" cy="2862322"/>
+          </a:xfrm>
+          <a:prstGeom prst="rect">
+            <a:avLst/>
+          </a:prstGeom>
+          <a:noFill/>
+        </p:spPr>
+        <p:txBody>
+          <a:bodyPr wrap="square" rtlCol="0">
+            <a:spAutoFit/>
+          </a:bodyPr>
+          <a:lstStyle/>
+          <a:p>
+            <a:r>
+              <a:rPr lang="en-US" dirty="0" smtClean="0"/>
+              <a:t>The model produces half decent results for the snowpack.</a:t>
+            </a:r>
+          </a:p>
+          <a:p>
+            <a:endParaRPr lang="en-US" dirty="0" smtClean="0"/>
+          </a:p>
+          <a:p>
+            <a:r>
+              <a:rPr lang="en-US" dirty="0" smtClean="0"/>
+              <a:t>Snow has a diurnal variation of </a:t>
+            </a:r>
+            <a:r>
+              <a:rPr lang="en-US" dirty="0"/>
+              <a:t>2.5‰ </a:t>
+            </a:r>
+            <a:r>
+              <a:rPr lang="en-US" dirty="0" smtClean="0"/>
+              <a:t>in </a:t>
+            </a:r>
+            <a:r>
+              <a:rPr lang="en-US" dirty="0"/>
+              <a:t>δ</a:t>
+            </a:r>
+            <a:r>
+              <a:rPr lang="en-US" baseline="30000" dirty="0"/>
+              <a:t>18</a:t>
+            </a:r>
+            <a:r>
+              <a:rPr lang="en-US" dirty="0"/>
+              <a:t>O</a:t>
+            </a:r>
+            <a:r>
+              <a:rPr lang="en-US" dirty="0" smtClean="0"/>
+              <a:t> and </a:t>
+            </a:r>
+            <a:r>
+              <a:rPr lang="en-US" dirty="0"/>
+              <a:t>13‰ </a:t>
+            </a:r>
+            <a:r>
+              <a:rPr lang="en-US" dirty="0" smtClean="0"/>
+              <a:t>in </a:t>
+            </a:r>
+            <a:r>
+              <a:rPr lang="en-US" dirty="0" err="1" smtClean="0"/>
+              <a:t>δD</a:t>
+            </a:r>
+            <a:r>
+              <a:rPr lang="en-US" dirty="0" smtClean="0"/>
+              <a:t> (10-20% of the </a:t>
+            </a:r>
+            <a:r>
+              <a:rPr lang="en-US" dirty="0" err="1" smtClean="0"/>
+              <a:t>firn</a:t>
+            </a:r>
+            <a:r>
+              <a:rPr lang="en-US" dirty="0" smtClean="0"/>
+              <a:t> signal!)</a:t>
+            </a:r>
+          </a:p>
+          <a:p>
+            <a:endParaRPr lang="en-US" dirty="0"/>
+          </a:p>
+          <a:p>
+            <a:r>
+              <a:rPr lang="en-US" dirty="0" smtClean="0"/>
+              <a:t>Still unclear if the VSL exists like we think it does. Big if true.</a:t>
+            </a:r>
+            <a:endParaRPr lang="en-US" dirty="0"/>
+          </a:p>
+        </p:txBody>
+      </p:sp>
+      <p:pic>
+        <p:nvPicPr>
+          <p:cNvPr id="6" name="Picture 5"/>
+          <p:cNvPicPr>
+            <a:picLocks noChangeAspect="1"/>
+          </p:cNvPicPr>
+          <p:nvPr/>
+        </p:nvPicPr>
+        <p:blipFill>
+          <a:blip r:embed="rId3">
+            <a:extLst>
+              <a:ext uri="{28A0092B-C50C-407E-A947-70E740481C1C}">
+                <a14:useLocalDpi xmlns:a14="http://schemas.microsoft.com/office/drawing/2010/main" val="0"/>
+              </a:ext>
+            </a:extLst>
+          </a:blip>
+          <a:stretch>
+            <a:fillRect/>
+          </a:stretch>
+        </p:blipFill>
+        <p:spPr>
+          <a:xfrm>
+            <a:off x="5019259" y="4317787"/>
+            <a:ext cx="5963482" cy="2019582"/>
+          </a:xfrm>
+          <a:prstGeom prst="rect">
+            <a:avLst/>
+          </a:prstGeom>
+        </p:spPr>
+      </p:pic>
+      <p:sp>
+        <p:nvSpPr>
+          <p:cNvPr id="7" name="TextBox 6"/>
+          <p:cNvSpPr txBox="1"/>
+          <p:nvPr/>
+        </p:nvSpPr>
+        <p:spPr>
+          <a:xfrm>
+            <a:off x="7801392" y="6284008"/>
+            <a:ext cx="3276184" cy="600164"/>
+          </a:xfrm>
+          <a:prstGeom prst="rect">
+            <a:avLst/>
+          </a:prstGeom>
+          <a:noFill/>
+        </p:spPr>
+        <p:txBody>
+          <a:bodyPr wrap="square" rtlCol="0">
+            <a:spAutoFit/>
+          </a:bodyPr>
+          <a:lstStyle/>
+          <a:p>
+            <a:r>
+              <a:rPr lang="en-US" sz="900" i="1" dirty="0"/>
+              <a:t>Note</a:t>
+            </a:r>
+            <a:r>
+              <a:rPr lang="en-US" sz="900" dirty="0"/>
+              <a:t>. The 95% confidence bounds are giving in the parentheses.</a:t>
+            </a:r>
+          </a:p>
+          <a:p>
+            <a:r>
+              <a:rPr lang="en-US" sz="1200" dirty="0"/>
+              <a:t/>
+            </a:r>
+            <a:br>
+              <a:rPr lang="en-US" sz="1200" dirty="0"/>
+            </a:br>
+            <a:endParaRPr lang="en-US" sz="1200" dirty="0"/>
+          </a:p>
+        </p:txBody>
+      </p:sp>
+      <p:sp>
+        <p:nvSpPr>
+          <p:cNvPr id="8" name="Left Brace 7"/>
+          <p:cNvSpPr/>
+          <p:nvPr/>
+        </p:nvSpPr>
+        <p:spPr>
+          <a:xfrm>
+            <a:off x="4695826" y="4317787"/>
+            <a:ext cx="247650" cy="2019582"/>
+          </a:xfrm>
+          <a:prstGeom prst="leftBrace">
+            <a:avLst/>
+          </a:prstGeom>
+          <a:ln w="12700">
+            <a:solidFill>
+              <a:schemeClr val="tx1"/>
+            </a:solidFill>
+          </a:ln>
+        </p:spPr>
+        <p:style>
+          <a:lnRef idx="1">
+            <a:schemeClr val="accent1"/>
+          </a:lnRef>
+          <a:fillRef idx="0">
+            <a:schemeClr val="accent1"/>
+          </a:fillRef>
+          <a:effectRef idx="0">
+            <a:schemeClr val="accent1"/>
+          </a:effectRef>
+          <a:fontRef idx="minor">
+            <a:schemeClr val="tx1"/>
+          </a:fontRef>
+        </p:style>
+        <p:txBody>
+          <a:bodyPr rtlCol="0" anchor="ctr"/>
+          <a:lstStyle/>
+          <a:p>
+            <a:pPr algn="ctr"/>
+            <a:endParaRPr lang="en-US"/>
+          </a:p>
+        </p:txBody>
+      </p:sp>
+      <p:sp>
+        <p:nvSpPr>
+          <p:cNvPr id="9" name="TextBox 8"/>
+          <p:cNvSpPr txBox="1"/>
+          <p:nvPr/>
+        </p:nvSpPr>
+        <p:spPr>
+          <a:xfrm>
+            <a:off x="2855836" y="4794178"/>
+            <a:ext cx="1839990" cy="1200329"/>
+          </a:xfrm>
+          <a:prstGeom prst="rect">
+            <a:avLst/>
+          </a:prstGeom>
+          <a:noFill/>
+        </p:spPr>
+        <p:txBody>
+          <a:bodyPr wrap="square" rtlCol="0">
+            <a:spAutoFit/>
+          </a:bodyPr>
+          <a:lstStyle/>
+          <a:p>
+            <a:r>
+              <a:rPr lang="en-US" dirty="0" smtClean="0"/>
+              <a:t>Snow equilibrium depth for two different latent heat cases</a:t>
+            </a:r>
+            <a:endParaRPr lang="en-US" dirty="0"/>
           </a:p>
         </p:txBody>
       </p:sp>
     </p:spTree>
     <p:extLst>
       <p:ext uri="{BB962C8B-B14F-4D97-AF65-F5344CB8AC3E}">
-        <p14:creationId xmlns:p14="http://schemas.microsoft.com/office/powerpoint/2010/main" val="3235257058"/>
+        <p14:creationId xmlns:p14="http://schemas.microsoft.com/office/powerpoint/2010/main" val="4217347789"/>
       </p:ext>
     </p:extLst>
   </p:cSld>
   <p:clrMapOvr>
     <a:masterClrMapping/>
   </p:clrMapOvr>
+  <p:timing>
+    <p:tnLst>
+      <p:par>
+        <p:cTn id="1" dur="indefinite" restart="never" nodeType="tmRoot"/>
+      </p:par>
+    </p:tnLst>
+  </p:timing>
 </p:sld>
 </file>
 
@@ -4182,7 +6400,7 @@
       </p:grpSpPr>
       <p:sp>
         <p:nvSpPr>
-          <p:cNvPr id="2" name="Title 1"/>
+          <p:cNvPr id="4" name="Title 1"/>
           <p:cNvSpPr>
             <a:spLocks noGrp="1"/>
           </p:cNvSpPr>
@@ -4190,90 +6408,228 @@
             <p:ph type="title"/>
           </p:nvPr>
         </p:nvSpPr>
-        <p:spPr/>
-        <p:txBody>
-          <a:bodyPr/>
+        <p:spPr>
+          <a:xfrm>
+            <a:off x="95250" y="95250"/>
+            <a:ext cx="5116590" cy="975793"/>
+          </a:xfrm>
+        </p:spPr>
+        <p:txBody>
+          <a:bodyPr>
+            <a:normAutofit fontScale="90000"/>
+          </a:bodyPr>
+          <a:lstStyle/>
+          <a:p>
+            <a:r>
+              <a:rPr lang="en-US" sz="3600" dirty="0" smtClean="0"/>
+              <a:t>What to look forward to after the break.</a:t>
+            </a:r>
+            <a:endParaRPr lang="en-US" sz="3600" dirty="0"/>
+          </a:p>
+        </p:txBody>
+      </p:sp>
+      <p:pic>
+        <p:nvPicPr>
+          <p:cNvPr id="2" name="Picture 1"/>
+          <p:cNvPicPr>
+            <a:picLocks noChangeAspect="1"/>
+          </p:cNvPicPr>
+          <p:nvPr/>
+        </p:nvPicPr>
+        <p:blipFill>
+          <a:blip r:embed="rId2">
+            <a:extLst>
+              <a:ext uri="{28A0092B-C50C-407E-A947-70E740481C1C}">
+                <a14:useLocalDpi xmlns:a14="http://schemas.microsoft.com/office/drawing/2010/main" val="0"/>
+              </a:ext>
+            </a:extLst>
+          </a:blip>
+          <a:stretch>
+            <a:fillRect/>
+          </a:stretch>
+        </p:blipFill>
+        <p:spPr>
+          <a:xfrm>
+            <a:off x="3559179" y="1232968"/>
+            <a:ext cx="8499471" cy="5245387"/>
+          </a:xfrm>
+          <a:prstGeom prst="rect">
+            <a:avLst/>
+          </a:prstGeom>
+        </p:spPr>
+      </p:pic>
+      <p:sp>
+        <p:nvSpPr>
+          <p:cNvPr id="3" name="TextBox 2"/>
+          <p:cNvSpPr txBox="1"/>
+          <p:nvPr/>
+        </p:nvSpPr>
+        <p:spPr>
+          <a:xfrm>
+            <a:off x="438150" y="1628775"/>
+            <a:ext cx="2762250" cy="3970318"/>
+          </a:xfrm>
+          <a:prstGeom prst="rect">
+            <a:avLst/>
+          </a:prstGeom>
+          <a:noFill/>
+        </p:spPr>
+        <p:txBody>
+          <a:bodyPr wrap="square" rtlCol="0">
+            <a:spAutoFit/>
+          </a:bodyPr>
           <a:lstStyle/>
           <a:p>
             <a:r>
               <a:rPr lang="en-US" dirty="0" smtClean="0"/>
-              <a:t>Citations</a:t>
-            </a:r>
+              <a:t>VSL is the gateway to and from the </a:t>
+            </a:r>
+            <a:r>
+              <a:rPr lang="en-US" dirty="0" err="1" smtClean="0"/>
+              <a:t>firn</a:t>
+            </a:r>
+            <a:r>
+              <a:rPr lang="en-US" dirty="0" smtClean="0"/>
+              <a:t> via diffusion.</a:t>
+            </a:r>
+          </a:p>
+          <a:p>
             <a:endParaRPr lang="en-US" dirty="0"/>
           </a:p>
-        </p:txBody>
-      </p:sp>
-      <p:sp>
-        <p:nvSpPr>
-          <p:cNvPr id="3" name="Content Placeholder 2"/>
-          <p:cNvSpPr>
-            <a:spLocks noGrp="1"/>
-          </p:cNvSpPr>
-          <p:nvPr>
-            <p:ph idx="1"/>
-          </p:nvPr>
-        </p:nvSpPr>
-        <p:spPr/>
-        <p:txBody>
-          <a:bodyPr/>
-          <a:lstStyle/>
-          <a:p>
-            <a:pPr marL="0" indent="0">
-              <a:buNone/>
-            </a:pPr>
-            <a:r>
-              <a:rPr lang="en-US" dirty="0" err="1"/>
-              <a:t>Horita</a:t>
+          <a:p>
+            <a:r>
+              <a:rPr lang="en-US" dirty="0" smtClean="0"/>
+              <a:t>“A </a:t>
             </a:r>
             <a:r>
               <a:rPr lang="en-US" dirty="0"/>
-              <a:t>, </a:t>
-            </a:r>
-            <a:r>
-              <a:rPr lang="en-US" dirty="0" err="1"/>
-              <a:t>Juske</a:t>
+              <a:t>positive linear relation between </a:t>
+            </a:r>
+            <a:r>
+              <a:rPr lang="en-US" i="1" dirty="0"/>
+              <a:t>B</a:t>
+            </a:r>
+            <a:r>
+              <a:rPr lang="en-US" baseline="30000" dirty="0"/>
+              <a:t>*</a:t>
+            </a:r>
+            <a:r>
+              <a:rPr lang="en-US" baseline="-25000" dirty="0"/>
+              <a:t>best</a:t>
             </a:r>
             <a:r>
               <a:rPr lang="en-US" dirty="0"/>
-              <a:t>, Kazimierz </a:t>
-            </a:r>
-            <a:r>
-              <a:rPr lang="en-US" dirty="0" err="1"/>
-              <a:t>Rozanski</a:t>
+              <a:t> and ∆</a:t>
+            </a:r>
+            <a:r>
+              <a:rPr lang="en-US" i="1" dirty="0"/>
+              <a:t>z is</a:t>
             </a:r>
             <a:r>
               <a:rPr lang="en-US" dirty="0"/>
-              <a:t>, and </a:t>
-            </a:r>
-            <a:r>
-              <a:rPr lang="en-US" dirty="0" err="1"/>
-              <a:t>Shabtai</a:t>
-            </a:r>
-            <a:r>
-              <a:rPr lang="en-US" dirty="0"/>
-              <a:t> Cohen. "Isotope effects in the evaporation of water: a status report of the Craig–Gordon model." </a:t>
-            </a:r>
-            <a:r>
-              <a:rPr lang="en-US" i="1" dirty="0"/>
-              <a:t>Isotopes in environmental and health studies</a:t>
-            </a:r>
-            <a:r>
-              <a:rPr lang="en-US" dirty="0"/>
-              <a:t> 44.1 (2008): 23-49.</a:t>
-            </a:r>
-          </a:p>
-        </p:txBody>
-      </p:sp>
+              <a:t> expected since the influence of the bottom boundary condition is more attenuated for a thicker VSL</a:t>
+            </a:r>
+            <a:r>
+              <a:rPr lang="en-US" dirty="0" smtClean="0"/>
+              <a:t>.”</a:t>
+            </a:r>
+          </a:p>
+          <a:p>
+            <a:endParaRPr lang="en-US" dirty="0"/>
+          </a:p>
+          <a:p>
+            <a:r>
+              <a:rPr lang="en-US" dirty="0" smtClean="0"/>
+              <a:t>We are going to explore if this is true via by a toy diffusion model.</a:t>
+            </a:r>
+            <a:endParaRPr lang="en-US" dirty="0"/>
+          </a:p>
+        </p:txBody>
+      </p:sp>
+      <p:sp>
+        <p:nvSpPr>
+          <p:cNvPr id="5" name="TextBox 4"/>
+          <p:cNvSpPr txBox="1"/>
+          <p:nvPr/>
+        </p:nvSpPr>
+        <p:spPr>
+          <a:xfrm rot="16200000">
+            <a:off x="3045673" y="3321086"/>
+            <a:ext cx="1396344" cy="369332"/>
+          </a:xfrm>
+          <a:prstGeom prst="rect">
+            <a:avLst/>
+          </a:prstGeom>
+          <a:solidFill>
+            <a:schemeClr val="bg1"/>
+          </a:solidFill>
+        </p:spPr>
+        <p:txBody>
+          <a:bodyPr wrap="none" rtlCol="0">
+            <a:spAutoFit/>
+          </a:bodyPr>
+          <a:lstStyle/>
+          <a:p>
+            <a:r>
+              <a:rPr lang="en-US" b="1" dirty="0" smtClean="0"/>
+              <a:t>VSL Distance</a:t>
+            </a:r>
+            <a:endParaRPr lang="en-US" b="1" dirty="0"/>
+          </a:p>
+        </p:txBody>
+      </p:sp>
+      <p:pic>
+        <p:nvPicPr>
+          <p:cNvPr id="6" name="Picture 5"/>
+          <p:cNvPicPr>
+            <a:picLocks noChangeAspect="1"/>
+          </p:cNvPicPr>
+          <p:nvPr/>
+        </p:nvPicPr>
+        <p:blipFill>
+          <a:blip r:embed="rId3">
+            <a:extLst>
+              <a:ext uri="{28A0092B-C50C-407E-A947-70E740481C1C}">
+                <a14:useLocalDpi xmlns:a14="http://schemas.microsoft.com/office/drawing/2010/main" val="0"/>
+              </a:ext>
+            </a:extLst>
+          </a:blip>
+          <a:stretch>
+            <a:fillRect/>
+          </a:stretch>
+        </p:blipFill>
+        <p:spPr>
+          <a:xfrm>
+            <a:off x="9176944" y="262950"/>
+            <a:ext cx="2476417" cy="808093"/>
+          </a:xfrm>
+          <a:prstGeom prst="rect">
+            <a:avLst/>
+          </a:prstGeom>
+          <a:ln w="38100">
+            <a:solidFill>
+              <a:srgbClr val="FF0000"/>
+            </a:solidFill>
+          </a:ln>
+        </p:spPr>
+      </p:pic>
     </p:spTree>
     <p:extLst>
       <p:ext uri="{BB962C8B-B14F-4D97-AF65-F5344CB8AC3E}">
-        <p14:creationId xmlns:p14="http://schemas.microsoft.com/office/powerpoint/2010/main" val="3565135287"/>
+        <p14:creationId xmlns:p14="http://schemas.microsoft.com/office/powerpoint/2010/main" val="3235257058"/>
       </p:ext>
     </p:extLst>
   </p:cSld>
   <p:clrMapOvr>
     <a:masterClrMapping/>
   </p:clrMapOvr>
+  <p:timing>
+    <p:tnLst>
+      <p:par>
+        <p:cTn id="1" dur="indefinite" restart="never" nodeType="tmRoot"/>
+      </p:par>
+    </p:tnLst>
+  </p:timing>
 </p:sld>
 </file>
 
